--- a/source/_drafts/jvm.pptx
+++ b/source/_drafts/jvm.pptx
@@ -2,18 +2,23 @@
 <file path=ppt/presentation.xml><?xml version="1.0" encoding="utf-8"?>
 <p:presentation xmlns:a="http://schemas.openxmlformats.org/drawingml/2006/main" xmlns:r="http://schemas.openxmlformats.org/officeDocument/2006/relationships" xmlns:p="http://schemas.openxmlformats.org/presentationml/2006/main">
   <p:sldMasterIdLst>
-    <p:sldMasterId id="2147483648" r:id="rId5"/>
+    <p:sldMasterId id="2147483648" r:id="rId1"/>
   </p:sldMasterIdLst>
   <p:notesMasterIdLst>
-    <p:notesMasterId r:id="rId7"/>
+    <p:notesMasterId r:id="rId13"/>
   </p:notesMasterIdLst>
   <p:sldIdLst>
-    <p:sldId id="256" r:id="rId8"/>
-    <p:sldId id="257" r:id="rId9"/>
-    <p:sldId id="258" r:id="rId10"/>
-    <p:sldId id="259" r:id="rId11"/>
-    <p:sldId id="260" r:id="rId12"/>
-    <p:sldId id="261" r:id="rId13"/>
+    <p:sldId id="256" r:id="rId2"/>
+    <p:sldId id="257" r:id="rId3"/>
+    <p:sldId id="258" r:id="rId4"/>
+    <p:sldId id="259" r:id="rId5"/>
+    <p:sldId id="260" r:id="rId6"/>
+    <p:sldId id="261" r:id="rId7"/>
+    <p:sldId id="262" r:id="rId8"/>
+    <p:sldId id="264" r:id="rId9"/>
+    <p:sldId id="263" r:id="rId10"/>
+    <p:sldId id="265" r:id="rId11"/>
+    <p:sldId id="266" r:id="rId12"/>
   </p:sldIdLst>
   <p:sldSz cx="13004800" cy="9753600"/>
   <p:notesSz cx="6858000" cy="9144000"/>
@@ -33,7 +38,7 @@
       <a:buFontTx/>
       <a:buNone/>
       <a:tabLst/>
-      <a:defRPr b="0" baseline="0" cap="none" i="0" spc="0" strike="noStrike" sz="1800" u="none" kumimoji="0" normalizeH="0">
+      <a:defRPr kumimoji="0" sz="1800" b="0" i="0" u="none" strike="noStrike" cap="none" spc="0" normalizeH="0" baseline="0">
         <a:ln>
           <a:noFill/>
         </a:ln>
@@ -59,7 +64,7 @@
       <a:buFontTx/>
       <a:buNone/>
       <a:tabLst/>
-      <a:defRPr b="0" baseline="0" cap="none" i="0" spc="0" strike="noStrike" sz="3800" u="none" kumimoji="0" normalizeH="0">
+      <a:defRPr kumimoji="0" sz="3800" b="0" i="0" u="none" strike="noStrike" cap="none" spc="0" normalizeH="0" baseline="0">
         <a:ln>
           <a:noFill/>
         </a:ln>
@@ -89,7 +94,7 @@
       <a:buFontTx/>
       <a:buNone/>
       <a:tabLst/>
-      <a:defRPr b="0" baseline="0" cap="none" i="0" spc="0" strike="noStrike" sz="3800" u="none" kumimoji="0" normalizeH="0">
+      <a:defRPr kumimoji="0" sz="3800" b="0" i="0" u="none" strike="noStrike" cap="none" spc="0" normalizeH="0" baseline="0">
         <a:ln>
           <a:noFill/>
         </a:ln>
@@ -119,7 +124,7 @@
       <a:buFontTx/>
       <a:buNone/>
       <a:tabLst/>
-      <a:defRPr b="0" baseline="0" cap="none" i="0" spc="0" strike="noStrike" sz="3800" u="none" kumimoji="0" normalizeH="0">
+      <a:defRPr kumimoji="0" sz="3800" b="0" i="0" u="none" strike="noStrike" cap="none" spc="0" normalizeH="0" baseline="0">
         <a:ln>
           <a:noFill/>
         </a:ln>
@@ -149,7 +154,7 @@
       <a:buFontTx/>
       <a:buNone/>
       <a:tabLst/>
-      <a:defRPr b="0" baseline="0" cap="none" i="0" spc="0" strike="noStrike" sz="3800" u="none" kumimoji="0" normalizeH="0">
+      <a:defRPr kumimoji="0" sz="3800" b="0" i="0" u="none" strike="noStrike" cap="none" spc="0" normalizeH="0" baseline="0">
         <a:ln>
           <a:noFill/>
         </a:ln>
@@ -179,7 +184,7 @@
       <a:buFontTx/>
       <a:buNone/>
       <a:tabLst/>
-      <a:defRPr b="0" baseline="0" cap="none" i="0" spc="0" strike="noStrike" sz="3800" u="none" kumimoji="0" normalizeH="0">
+      <a:defRPr kumimoji="0" sz="3800" b="0" i="0" u="none" strike="noStrike" cap="none" spc="0" normalizeH="0" baseline="0">
         <a:ln>
           <a:noFill/>
         </a:ln>
@@ -209,7 +214,7 @@
       <a:buFontTx/>
       <a:buNone/>
       <a:tabLst/>
-      <a:defRPr b="0" baseline="0" cap="none" i="0" spc="0" strike="noStrike" sz="3800" u="none" kumimoji="0" normalizeH="0">
+      <a:defRPr kumimoji="0" sz="3800" b="0" i="0" u="none" strike="noStrike" cap="none" spc="0" normalizeH="0" baseline="0">
         <a:ln>
           <a:noFill/>
         </a:ln>
@@ -239,7 +244,7 @@
       <a:buFontTx/>
       <a:buNone/>
       <a:tabLst/>
-      <a:defRPr b="0" baseline="0" cap="none" i="0" spc="0" strike="noStrike" sz="3800" u="none" kumimoji="0" normalizeH="0">
+      <a:defRPr kumimoji="0" sz="3800" b="0" i="0" u="none" strike="noStrike" cap="none" spc="0" normalizeH="0" baseline="0">
         <a:ln>
           <a:noFill/>
         </a:ln>
@@ -269,7 +274,7 @@
       <a:buFontTx/>
       <a:buNone/>
       <a:tabLst/>
-      <a:defRPr b="0" baseline="0" cap="none" i="0" spc="0" strike="noStrike" sz="3800" u="none" kumimoji="0" normalizeH="0">
+      <a:defRPr kumimoji="0" sz="3800" b="0" i="0" u="none" strike="noStrike" cap="none" spc="0" normalizeH="0" baseline="0">
         <a:ln>
           <a:noFill/>
         </a:ln>
@@ -299,7 +304,7 @@
       <a:buFontTx/>
       <a:buNone/>
       <a:tabLst/>
-      <a:defRPr b="0" baseline="0" cap="none" i="0" spc="0" strike="noStrike" sz="3800" u="none" kumimoji="0" normalizeH="0">
+      <a:defRPr kumimoji="0" sz="3800" b="0" i="0" u="none" strike="noStrike" cap="none" spc="0" normalizeH="0" baseline="0">
         <a:ln>
           <a:noFill/>
         </a:ln>
@@ -318,13 +323,18 @@
 </p:presentation>
 </file>
 
-<file path=ppt/commentAuthors.xml><?xml version="1.0" encoding="utf-8"?>
-<p:cmAuthorLst xmlns:a="http://schemas.openxmlformats.org/drawingml/2006/main" xmlns:r="http://schemas.openxmlformats.org/officeDocument/2006/relationships" xmlns:p="http://schemas.openxmlformats.org/presentationml/2006/main"/>
+<file path=ppt/revisionInfo.xml><?xml version="1.0" encoding="utf-8"?>
+<p1510:revInfo xmlns:a="http://schemas.openxmlformats.org/drawingml/2006/main" xmlns:r="http://schemas.openxmlformats.org/officeDocument/2006/relationships" xmlns:p1510="http://schemas.microsoft.com/office/powerpoint/2015/10/main"/>
 </file>
 
 <file path=ppt/notesMasters/notesMaster1.xml><?xml version="1.0" encoding="utf-8"?>
 <p:notesMaster xmlns:a="http://schemas.openxmlformats.org/drawingml/2006/main" xmlns:r="http://schemas.openxmlformats.org/officeDocument/2006/relationships" xmlns:p="http://schemas.openxmlformats.org/presentationml/2006/main">
   <p:cSld>
+    <p:bg>
+      <p:bgRef idx="1001">
+        <a:schemeClr val="bg1"/>
+      </p:bgRef>
+    </p:bg>
     <p:spTree>
       <p:nvGrpSpPr>
         <p:cNvPr id="1" name=""/>
@@ -342,7 +352,9 @@
       <p:sp>
         <p:nvSpPr>
           <p:cNvPr id="116" name="Shape 116"/>
-          <p:cNvSpPr/>
+          <p:cNvSpPr>
+            <a:spLocks noGrp="1" noRot="1" noChangeAspect="1"/>
+          </p:cNvSpPr>
           <p:nvPr>
             <p:ph type="sldImg"/>
           </p:nvPr>
@@ -360,14 +372,16 @@
           <a:bodyPr/>
           <a:lstStyle/>
           <a:p>
-            <a:pPr/>
+            <a:endParaRPr/>
           </a:p>
         </p:txBody>
       </p:sp>
       <p:sp>
         <p:nvSpPr>
           <p:cNvPr id="117" name="Shape 117"/>
-          <p:cNvSpPr/>
+          <p:cNvSpPr>
+            <a:spLocks noGrp="1"/>
+          </p:cNvSpPr>
           <p:nvPr>
             <p:ph type="body" sz="quarter" idx="1"/>
           </p:nvPr>
@@ -385,7 +399,7 @@
           <a:bodyPr/>
           <a:lstStyle/>
           <a:p>
-            <a:pPr/>
+            <a:endParaRPr/>
           </a:p>
         </p:txBody>
       </p:sp>
@@ -496,8 +510,183 @@
 </p:notesMaster>
 </file>
 
+<file path=ppt/notesSlides/notesSlide1.xml><?xml version="1.0" encoding="utf-8"?>
+<p:notes xmlns:a="http://schemas.openxmlformats.org/drawingml/2006/main" xmlns:r="http://schemas.openxmlformats.org/officeDocument/2006/relationships" xmlns:p="http://schemas.openxmlformats.org/presentationml/2006/main">
+  <p:cSld>
+    <p:spTree>
+      <p:nvGrpSpPr>
+        <p:cNvPr id="1" name=""/>
+        <p:cNvGrpSpPr/>
+        <p:nvPr/>
+      </p:nvGrpSpPr>
+      <p:grpSpPr>
+        <a:xfrm>
+          <a:off x="0" y="0"/>
+          <a:ext cx="0" cy="0"/>
+          <a:chOff x="0" y="0"/>
+          <a:chExt cx="0" cy="0"/>
+        </a:xfrm>
+      </p:grpSpPr>
+      <p:sp>
+        <p:nvSpPr>
+          <p:cNvPr id="2" name="Slide Image Placeholder 1"/>
+          <p:cNvSpPr>
+            <a:spLocks noGrp="1" noRot="1" noChangeAspect="1"/>
+          </p:cNvSpPr>
+          <p:nvPr>
+            <p:ph type="sldImg"/>
+          </p:nvPr>
+        </p:nvSpPr>
+        <p:spPr/>
+      </p:sp>
+      <p:sp>
+        <p:nvSpPr>
+          <p:cNvPr id="3" name="Notes Placeholder 2"/>
+          <p:cNvSpPr>
+            <a:spLocks noGrp="1"/>
+          </p:cNvSpPr>
+          <p:nvPr>
+            <p:ph type="body" idx="1"/>
+          </p:nvPr>
+        </p:nvSpPr>
+        <p:spPr/>
+        <p:txBody>
+          <a:bodyPr/>
+          <a:lstStyle/>
+          <a:p>
+            <a:pPr algn="l"/>
+            <a:r>
+              <a:rPr lang="zh-CN" altLang="en-US" sz="2400" dirty="0"/>
+              <a:t>当</a:t>
+            </a:r>
+            <a:r>
+              <a:rPr lang="en-US" altLang="zh-CN" sz="2400" dirty="0"/>
+              <a:t>Eden</a:t>
+            </a:r>
+            <a:r>
+              <a:rPr lang="zh-CN" altLang="en-US" sz="2400" dirty="0"/>
+              <a:t>区内存区分配完之后，如果年老代有足够的连续的空间用来存放所有新生代区域的对象，触发</a:t>
+            </a:r>
+            <a:r>
+              <a:rPr lang="en-US" altLang="zh-CN" sz="2400" dirty="0"/>
+              <a:t>Minor GC</a:t>
+            </a:r>
+            <a:r>
+              <a:rPr lang="zh-CN" altLang="en-US" sz="2400" dirty="0"/>
+              <a:t>。</a:t>
+            </a:r>
+            <a:endParaRPr lang="en-US" altLang="zh-CN" sz="2400" dirty="0"/>
+          </a:p>
+          <a:p>
+            <a:pPr algn="l"/>
+            <a:r>
+              <a:rPr lang="zh-CN" altLang="en-US" sz="2400" dirty="0"/>
+              <a:t>如果对象太大，</a:t>
+            </a:r>
+            <a:r>
+              <a:rPr lang="en-US" altLang="zh-CN" sz="2400" dirty="0"/>
+              <a:t>Survivor</a:t>
+            </a:r>
+            <a:r>
+              <a:rPr lang="zh-CN" altLang="en-US" sz="2400" dirty="0"/>
+              <a:t>区域容纳不下，则对象直接晋升到年老代。否则使用复制算法，直接将对象复制到</a:t>
+            </a:r>
+            <a:r>
+              <a:rPr lang="en-US" altLang="zh-CN" sz="2400" dirty="0"/>
+              <a:t>Survivor</a:t>
+            </a:r>
+            <a:r>
+              <a:rPr lang="zh-CN" altLang="en-US" sz="2400" dirty="0"/>
+              <a:t>区域。</a:t>
+            </a:r>
+            <a:endParaRPr lang="en-US" altLang="zh-CN" sz="2400" dirty="0"/>
+          </a:p>
+          <a:p>
+            <a:pPr algn="l"/>
+            <a:r>
+              <a:rPr lang="zh-CN" altLang="en-US" sz="2400" dirty="0"/>
+              <a:t>若年老代没有足够的连续空间存储新的对象，先进行一次</a:t>
+            </a:r>
+            <a:r>
+              <a:rPr lang="en-US" altLang="zh-CN" sz="2400" dirty="0"/>
+              <a:t>Minor GC</a:t>
+            </a:r>
+            <a:r>
+              <a:rPr lang="zh-CN" altLang="en-US" sz="2400" dirty="0"/>
+              <a:t>，若仍不满足上述条件，则进行</a:t>
+            </a:r>
+            <a:r>
+              <a:rPr lang="en-US" altLang="zh-CN" sz="2400" dirty="0"/>
+              <a:t>Full GC.</a:t>
+            </a:r>
+            <a:r>
+              <a:rPr lang="zh-CN" altLang="en-US" sz="2400" dirty="0"/>
+              <a:t>若</a:t>
+            </a:r>
+            <a:r>
+              <a:rPr lang="en-US" altLang="zh-CN" sz="2400" dirty="0"/>
+              <a:t>Full GC</a:t>
+            </a:r>
+            <a:r>
+              <a:rPr lang="zh-CN" altLang="en-US" sz="2400" dirty="0"/>
+              <a:t>后依然内存不足</a:t>
+            </a:r>
+            <a:r>
+              <a:rPr lang="en-US" altLang="zh-CN" sz="2400" dirty="0"/>
+              <a:t>,</a:t>
+            </a:r>
+            <a:r>
+              <a:rPr lang="zh-CN" altLang="en-US" sz="2400" dirty="0"/>
+              <a:t>则抛出</a:t>
+            </a:r>
+            <a:r>
+              <a:rPr lang="en-US" altLang="zh-CN" sz="2400" dirty="0"/>
+              <a:t>OOM</a:t>
+            </a:r>
+            <a:r>
+              <a:rPr lang="zh-CN" altLang="en-US" sz="2400" dirty="0"/>
+              <a:t>异常。</a:t>
+            </a:r>
+            <a:r>
+              <a:rPr lang="en-US" altLang="zh-CN" sz="2400" dirty="0"/>
+              <a:t>Full GC</a:t>
+            </a:r>
+            <a:r>
+              <a:rPr lang="zh-CN" altLang="en-US" sz="2400" dirty="0"/>
+              <a:t>：清理整个内存堆，既包括年轻代也包括年老代。</a:t>
+            </a:r>
+            <a:endParaRPr kumimoji="0" lang="zh-CN" altLang="en-US" sz="2400" b="0" i="0" u="none" strike="noStrike" cap="none" spc="0" normalizeH="0" baseline="0" dirty="0">
+              <a:ln>
+                <a:noFill/>
+              </a:ln>
+              <a:solidFill>
+                <a:srgbClr val="FFFFFF"/>
+              </a:solidFill>
+              <a:effectLst/>
+              <a:uFillTx/>
+              <a:sym typeface="Helvetica Light"/>
+            </a:endParaRPr>
+          </a:p>
+          <a:p>
+            <a:endParaRPr lang="zh-CN" altLang="en-US" dirty="0"/>
+          </a:p>
+        </p:txBody>
+      </p:sp>
+    </p:spTree>
+    <p:extLst>
+      <p:ext uri="{BB962C8B-B14F-4D97-AF65-F5344CB8AC3E}">
+        <p14:creationId xmlns:p14="http://schemas.microsoft.com/office/powerpoint/2010/main" val="2373322699"/>
+      </p:ext>
+    </p:extLst>
+  </p:cSld>
+  <p:clrMapOvr>
+    <a:masterClrMapping/>
+  </p:clrMapOvr>
+</p:notes>
+</file>
+
 <file path=ppt/slideLayouts/slideLayout1.xml><?xml version="1.0" encoding="utf-8"?>
-<p:sldLayout xmlns:a="http://schemas.openxmlformats.org/drawingml/2006/main" xmlns:r="http://schemas.openxmlformats.org/officeDocument/2006/relationships" xmlns:p="http://schemas.openxmlformats.org/presentationml/2006/main" type="title" showMasterSp="1" showMasterPhAnim="1">
+<p:sldLayout xmlns:a="http://schemas.openxmlformats.org/drawingml/2006/main" xmlns:r="http://schemas.openxmlformats.org/officeDocument/2006/relationships" xmlns:p="http://schemas.openxmlformats.org/presentationml/2006/main" type="title">
   <p:cSld name="标题与副标题">
     <p:spTree>
       <p:nvGrpSpPr>
@@ -516,7 +705,9 @@
       <p:sp>
         <p:nvSpPr>
           <p:cNvPr id="11" name="Shape 11"/>
-          <p:cNvSpPr/>
+          <p:cNvSpPr>
+            <a:spLocks noGrp="1"/>
+          </p:cNvSpPr>
           <p:nvPr>
             <p:ph type="title"/>
           </p:nvPr>
@@ -534,7 +725,6 @@
           <a:bodyPr anchor="b"/>
           <a:lstStyle/>
           <a:p>
-            <a:pPr/>
             <a:r>
               <a:t>标题文本</a:t>
             </a:r>
@@ -544,7 +734,9 @@
       <p:sp>
         <p:nvSpPr>
           <p:cNvPr id="12" name="Shape 12"/>
-          <p:cNvSpPr/>
+          <p:cNvSpPr>
+            <a:spLocks noGrp="1"/>
+          </p:cNvSpPr>
           <p:nvPr>
             <p:ph type="body" sz="quarter" idx="1"/>
           </p:nvPr>
@@ -603,7 +795,6 @@
             </a:lvl5pPr>
           </a:lstStyle>
           <a:p>
-            <a:pPr/>
             <a:r>
               <a:t>正文级别 1</a:t>
             </a:r>
@@ -637,7 +828,9 @@
       <p:sp>
         <p:nvSpPr>
           <p:cNvPr id="13" name="Shape 13"/>
-          <p:cNvSpPr/>
+          <p:cNvSpPr>
+            <a:spLocks noGrp="1"/>
+          </p:cNvSpPr>
           <p:nvPr>
             <p:ph type="sldNum" sz="quarter" idx="2"/>
           </p:nvPr>
@@ -651,8 +844,10 @@
           <a:bodyPr/>
           <a:lstStyle/>
           <a:p>
-            <a:pPr/>
-            <a:fld id="{86CB4B4D-7CA3-9044-876B-883B54F8677D}" type="slidenum"/>
+            <a:fld id="{86CB4B4D-7CA3-9044-876B-883B54F8677D}" type="slidenum">
+              <a:t>‹#›</a:t>
+            </a:fld>
+            <a:endParaRPr/>
           </a:p>
         </p:txBody>
       </p:sp>
@@ -661,12 +856,12 @@
   <p:clrMapOvr>
     <a:masterClrMapping/>
   </p:clrMapOvr>
-  <p:transition xmlns:p14="http://schemas.microsoft.com/office/powerpoint/2010/main" spd="med" advClick="1"/>
+  <p:transition spd="med"/>
 </p:sldLayout>
 </file>
 
 <file path=ppt/slideLayouts/slideLayout10.xml><?xml version="1.0" encoding="utf-8"?>
-<p:sldLayout xmlns:a="http://schemas.openxmlformats.org/drawingml/2006/main" xmlns:r="http://schemas.openxmlformats.org/officeDocument/2006/relationships" xmlns:p="http://schemas.openxmlformats.org/presentationml/2006/main" type="tx" showMasterSp="1" showMasterPhAnim="1">
+<p:sldLayout xmlns:a="http://schemas.openxmlformats.org/drawingml/2006/main" xmlns:r="http://schemas.openxmlformats.org/officeDocument/2006/relationships" xmlns:p="http://schemas.openxmlformats.org/presentationml/2006/main" type="tx">
   <p:cSld name="引文">
     <p:spTree>
       <p:nvGrpSpPr>
@@ -685,7 +880,9 @@
       <p:sp>
         <p:nvSpPr>
           <p:cNvPr id="93" name="Shape 93"/>
-          <p:cNvSpPr/>
+          <p:cNvSpPr>
+            <a:spLocks noGrp="1"/>
+          </p:cNvSpPr>
           <p:nvPr>
             <p:ph type="body" sz="quarter" idx="13"/>
           </p:nvPr>
@@ -710,7 +907,7 @@
               </a:spcBef>
               <a:buSzTx/>
               <a:buNone/>
-              <a:defRPr b="1" sz="2800">
+              <a:defRPr sz="2800" b="1">
                 <a:latin typeface="Helvetica"/>
                 <a:ea typeface="Helvetica"/>
                 <a:cs typeface="Helvetica"/>
@@ -719,7 +916,6 @@
             </a:lvl1pPr>
           </a:lstStyle>
           <a:p>
-            <a:pPr/>
             <a:r>
               <a:t>–Johnny Appleseed</a:t>
             </a:r>
@@ -729,7 +925,9 @@
       <p:sp>
         <p:nvSpPr>
           <p:cNvPr id="94" name="Shape 94"/>
-          <p:cNvSpPr/>
+          <p:cNvSpPr>
+            <a:spLocks noGrp="1"/>
+          </p:cNvSpPr>
           <p:nvPr>
             <p:ph type="body" sz="quarter" idx="14"/>
           </p:nvPr>
@@ -758,7 +956,6 @@
             </a:lvl1pPr>
           </a:lstStyle>
           <a:p>
-            <a:pPr/>
             <a:r>
               <a:t>“在此键入引文。”</a:t>
             </a:r>
@@ -768,7 +965,9 @@
       <p:sp>
         <p:nvSpPr>
           <p:cNvPr id="95" name="Shape 95"/>
-          <p:cNvSpPr/>
+          <p:cNvSpPr>
+            <a:spLocks noGrp="1"/>
+          </p:cNvSpPr>
           <p:nvPr>
             <p:ph type="sldNum" sz="quarter" idx="2"/>
           </p:nvPr>
@@ -782,8 +981,10 @@
           <a:bodyPr/>
           <a:lstStyle/>
           <a:p>
-            <a:pPr/>
-            <a:fld id="{86CB4B4D-7CA3-9044-876B-883B54F8677D}" type="slidenum"/>
+            <a:fld id="{86CB4B4D-7CA3-9044-876B-883B54F8677D}" type="slidenum">
+              <a:t>‹#›</a:t>
+            </a:fld>
+            <a:endParaRPr/>
           </a:p>
         </p:txBody>
       </p:sp>
@@ -792,12 +993,12 @@
   <p:clrMapOvr>
     <a:masterClrMapping/>
   </p:clrMapOvr>
-  <p:transition xmlns:p14="http://schemas.microsoft.com/office/powerpoint/2010/main" spd="med" advClick="1"/>
+  <p:transition spd="med"/>
 </p:sldLayout>
 </file>
 
 <file path=ppt/slideLayouts/slideLayout11.xml><?xml version="1.0" encoding="utf-8"?>
-<p:sldLayout xmlns:a="http://schemas.openxmlformats.org/drawingml/2006/main" xmlns:r="http://schemas.openxmlformats.org/officeDocument/2006/relationships" xmlns:p="http://schemas.openxmlformats.org/presentationml/2006/main" type="tx" showMasterSp="1" showMasterPhAnim="1">
+<p:sldLayout xmlns:a="http://schemas.openxmlformats.org/drawingml/2006/main" xmlns:r="http://schemas.openxmlformats.org/officeDocument/2006/relationships" xmlns:p="http://schemas.openxmlformats.org/presentationml/2006/main" type="tx">
   <p:cSld name="照片">
     <p:spTree>
       <p:nvGrpSpPr>
@@ -816,7 +1017,9 @@
       <p:sp>
         <p:nvSpPr>
           <p:cNvPr id="102" name="Shape 102"/>
-          <p:cNvSpPr/>
+          <p:cNvSpPr>
+            <a:spLocks noGrp="1"/>
+          </p:cNvSpPr>
           <p:nvPr>
             <p:ph type="pic" idx="13"/>
           </p:nvPr>
@@ -836,14 +1039,16 @@
           </a:bodyPr>
           <a:lstStyle/>
           <a:p>
-            <a:pPr/>
+            <a:endParaRPr/>
           </a:p>
         </p:txBody>
       </p:sp>
       <p:sp>
         <p:nvSpPr>
           <p:cNvPr id="103" name="Shape 103"/>
-          <p:cNvSpPr/>
+          <p:cNvSpPr>
+            <a:spLocks noGrp="1"/>
+          </p:cNvSpPr>
           <p:nvPr>
             <p:ph type="sldNum" sz="quarter" idx="2"/>
           </p:nvPr>
@@ -857,8 +1062,10 @@
           <a:bodyPr/>
           <a:lstStyle/>
           <a:p>
-            <a:pPr/>
-            <a:fld id="{86CB4B4D-7CA3-9044-876B-883B54F8677D}" type="slidenum"/>
+            <a:fld id="{86CB4B4D-7CA3-9044-876B-883B54F8677D}" type="slidenum">
+              <a:t>‹#›</a:t>
+            </a:fld>
+            <a:endParaRPr/>
           </a:p>
         </p:txBody>
       </p:sp>
@@ -867,12 +1074,12 @@
   <p:clrMapOvr>
     <a:masterClrMapping/>
   </p:clrMapOvr>
-  <p:transition xmlns:p14="http://schemas.microsoft.com/office/powerpoint/2010/main" spd="med" advClick="1"/>
+  <p:transition spd="med"/>
 </p:sldLayout>
 </file>
 
 <file path=ppt/slideLayouts/slideLayout12.xml><?xml version="1.0" encoding="utf-8"?>
-<p:sldLayout xmlns:a="http://schemas.openxmlformats.org/drawingml/2006/main" xmlns:r="http://schemas.openxmlformats.org/officeDocument/2006/relationships" xmlns:p="http://schemas.openxmlformats.org/presentationml/2006/main" type="tx" showMasterSp="1" showMasterPhAnim="1">
+<p:sldLayout xmlns:a="http://schemas.openxmlformats.org/drawingml/2006/main" xmlns:r="http://schemas.openxmlformats.org/officeDocument/2006/relationships" xmlns:p="http://schemas.openxmlformats.org/presentationml/2006/main" type="tx">
   <p:cSld name="空白">
     <p:spTree>
       <p:nvGrpSpPr>
@@ -891,7 +1098,9 @@
       <p:sp>
         <p:nvSpPr>
           <p:cNvPr id="110" name="Shape 110"/>
-          <p:cNvSpPr/>
+          <p:cNvSpPr>
+            <a:spLocks noGrp="1"/>
+          </p:cNvSpPr>
           <p:nvPr>
             <p:ph type="sldNum" sz="quarter" idx="2"/>
           </p:nvPr>
@@ -905,8 +1114,10 @@
           <a:bodyPr/>
           <a:lstStyle/>
           <a:p>
-            <a:pPr/>
-            <a:fld id="{86CB4B4D-7CA3-9044-876B-883B54F8677D}" type="slidenum"/>
+            <a:fld id="{86CB4B4D-7CA3-9044-876B-883B54F8677D}" type="slidenum">
+              <a:t>‹#›</a:t>
+            </a:fld>
+            <a:endParaRPr/>
           </a:p>
         </p:txBody>
       </p:sp>
@@ -915,12 +1126,12 @@
   <p:clrMapOvr>
     <a:masterClrMapping/>
   </p:clrMapOvr>
-  <p:transition xmlns:p14="http://schemas.microsoft.com/office/powerpoint/2010/main" spd="med" advClick="1"/>
+  <p:transition spd="med"/>
 </p:sldLayout>
 </file>
 
 <file path=ppt/slideLayouts/slideLayout2.xml><?xml version="1.0" encoding="utf-8"?>
-<p:sldLayout xmlns:a="http://schemas.openxmlformats.org/drawingml/2006/main" xmlns:r="http://schemas.openxmlformats.org/officeDocument/2006/relationships" xmlns:p="http://schemas.openxmlformats.org/presentationml/2006/main" type="tx" showMasterSp="1" showMasterPhAnim="1">
+<p:sldLayout xmlns:a="http://schemas.openxmlformats.org/drawingml/2006/main" xmlns:r="http://schemas.openxmlformats.org/officeDocument/2006/relationships" xmlns:p="http://schemas.openxmlformats.org/presentationml/2006/main" type="tx">
   <p:cSld name="照片 - 水平">
     <p:spTree>
       <p:nvGrpSpPr>
@@ -939,7 +1150,9 @@
       <p:sp>
         <p:nvSpPr>
           <p:cNvPr id="20" name="Shape 20"/>
-          <p:cNvSpPr/>
+          <p:cNvSpPr>
+            <a:spLocks noGrp="1"/>
+          </p:cNvSpPr>
           <p:nvPr>
             <p:ph type="pic" idx="13"/>
           </p:nvPr>
@@ -959,14 +1172,16 @@
           </a:bodyPr>
           <a:lstStyle/>
           <a:p>
-            <a:pPr/>
+            <a:endParaRPr/>
           </a:p>
         </p:txBody>
       </p:sp>
       <p:sp>
         <p:nvSpPr>
           <p:cNvPr id="21" name="Shape 21"/>
-          <p:cNvSpPr/>
+          <p:cNvSpPr>
+            <a:spLocks noGrp="1"/>
+          </p:cNvSpPr>
           <p:nvPr>
             <p:ph type="title"/>
           </p:nvPr>
@@ -984,7 +1199,6 @@
           <a:bodyPr anchor="b"/>
           <a:lstStyle/>
           <a:p>
-            <a:pPr/>
             <a:r>
               <a:t>标题文本</a:t>
             </a:r>
@@ -994,7 +1208,9 @@
       <p:sp>
         <p:nvSpPr>
           <p:cNvPr id="22" name="Shape 22"/>
-          <p:cNvSpPr/>
+          <p:cNvSpPr>
+            <a:spLocks noGrp="1"/>
+          </p:cNvSpPr>
           <p:nvPr>
             <p:ph type="body" sz="quarter" idx="1"/>
           </p:nvPr>
@@ -1053,7 +1269,6 @@
             </a:lvl5pPr>
           </a:lstStyle>
           <a:p>
-            <a:pPr/>
             <a:r>
               <a:t>正文级别 1</a:t>
             </a:r>
@@ -1087,7 +1302,9 @@
       <p:sp>
         <p:nvSpPr>
           <p:cNvPr id="23" name="Shape 23"/>
-          <p:cNvSpPr/>
+          <p:cNvSpPr>
+            <a:spLocks noGrp="1"/>
+          </p:cNvSpPr>
           <p:nvPr>
             <p:ph type="sldNum" sz="quarter" idx="2"/>
           </p:nvPr>
@@ -1101,8 +1318,10 @@
           <a:bodyPr/>
           <a:lstStyle/>
           <a:p>
-            <a:pPr/>
-            <a:fld id="{86CB4B4D-7CA3-9044-876B-883B54F8677D}" type="slidenum"/>
+            <a:fld id="{86CB4B4D-7CA3-9044-876B-883B54F8677D}" type="slidenum">
+              <a:t>‹#›</a:t>
+            </a:fld>
+            <a:endParaRPr/>
           </a:p>
         </p:txBody>
       </p:sp>
@@ -1111,12 +1330,12 @@
   <p:clrMapOvr>
     <a:masterClrMapping/>
   </p:clrMapOvr>
-  <p:transition xmlns:p14="http://schemas.microsoft.com/office/powerpoint/2010/main" spd="med" advClick="1"/>
+  <p:transition spd="med"/>
 </p:sldLayout>
 </file>
 
 <file path=ppt/slideLayouts/slideLayout3.xml><?xml version="1.0" encoding="utf-8"?>
-<p:sldLayout xmlns:a="http://schemas.openxmlformats.org/drawingml/2006/main" xmlns:r="http://schemas.openxmlformats.org/officeDocument/2006/relationships" xmlns:p="http://schemas.openxmlformats.org/presentationml/2006/main" type="tx" showMasterSp="1" showMasterPhAnim="1">
+<p:sldLayout xmlns:a="http://schemas.openxmlformats.org/drawingml/2006/main" xmlns:r="http://schemas.openxmlformats.org/officeDocument/2006/relationships" xmlns:p="http://schemas.openxmlformats.org/presentationml/2006/main" type="tx">
   <p:cSld name="标题 - 居中">
     <p:spTree>
       <p:nvGrpSpPr>
@@ -1135,7 +1354,9 @@
       <p:sp>
         <p:nvSpPr>
           <p:cNvPr id="30" name="Shape 30"/>
-          <p:cNvSpPr/>
+          <p:cNvSpPr>
+            <a:spLocks noGrp="1"/>
+          </p:cNvSpPr>
           <p:nvPr>
             <p:ph type="title"/>
           </p:nvPr>
@@ -1153,7 +1374,6 @@
           <a:bodyPr/>
           <a:lstStyle/>
           <a:p>
-            <a:pPr/>
             <a:r>
               <a:t>标题文本</a:t>
             </a:r>
@@ -1163,7 +1383,9 @@
       <p:sp>
         <p:nvSpPr>
           <p:cNvPr id="31" name="Shape 31"/>
-          <p:cNvSpPr/>
+          <p:cNvSpPr>
+            <a:spLocks noGrp="1"/>
+          </p:cNvSpPr>
           <p:nvPr>
             <p:ph type="sldNum" sz="quarter" idx="2"/>
           </p:nvPr>
@@ -1177,8 +1399,10 @@
           <a:bodyPr/>
           <a:lstStyle/>
           <a:p>
-            <a:pPr/>
-            <a:fld id="{86CB4B4D-7CA3-9044-876B-883B54F8677D}" type="slidenum"/>
+            <a:fld id="{86CB4B4D-7CA3-9044-876B-883B54F8677D}" type="slidenum">
+              <a:t>‹#›</a:t>
+            </a:fld>
+            <a:endParaRPr/>
           </a:p>
         </p:txBody>
       </p:sp>
@@ -1187,12 +1411,12 @@
   <p:clrMapOvr>
     <a:masterClrMapping/>
   </p:clrMapOvr>
-  <p:transition xmlns:p14="http://schemas.microsoft.com/office/powerpoint/2010/main" spd="med" advClick="1"/>
+  <p:transition spd="med"/>
 </p:sldLayout>
 </file>
 
 <file path=ppt/slideLayouts/slideLayout4.xml><?xml version="1.0" encoding="utf-8"?>
-<p:sldLayout xmlns:a="http://schemas.openxmlformats.org/drawingml/2006/main" xmlns:r="http://schemas.openxmlformats.org/officeDocument/2006/relationships" xmlns:p="http://schemas.openxmlformats.org/presentationml/2006/main" type="tx" showMasterSp="1" showMasterPhAnim="1">
+<p:sldLayout xmlns:a="http://schemas.openxmlformats.org/drawingml/2006/main" xmlns:r="http://schemas.openxmlformats.org/officeDocument/2006/relationships" xmlns:p="http://schemas.openxmlformats.org/presentationml/2006/main" type="tx">
   <p:cSld name="照片 - 垂直">
     <p:spTree>
       <p:nvGrpSpPr>
@@ -1211,7 +1435,9 @@
       <p:sp>
         <p:nvSpPr>
           <p:cNvPr id="38" name="Shape 38"/>
-          <p:cNvSpPr/>
+          <p:cNvSpPr>
+            <a:spLocks noGrp="1"/>
+          </p:cNvSpPr>
           <p:nvPr>
             <p:ph type="pic" sz="half" idx="13"/>
           </p:nvPr>
@@ -1231,14 +1457,16 @@
           </a:bodyPr>
           <a:lstStyle/>
           <a:p>
-            <a:pPr/>
+            <a:endParaRPr/>
           </a:p>
         </p:txBody>
       </p:sp>
       <p:sp>
         <p:nvSpPr>
           <p:cNvPr id="39" name="Shape 39"/>
-          <p:cNvSpPr/>
+          <p:cNvSpPr>
+            <a:spLocks noGrp="1"/>
+          </p:cNvSpPr>
           <p:nvPr>
             <p:ph type="title"/>
           </p:nvPr>
@@ -1260,7 +1488,6 @@
             </a:lvl1pPr>
           </a:lstStyle>
           <a:p>
-            <a:pPr/>
             <a:r>
               <a:t>标题文本</a:t>
             </a:r>
@@ -1270,7 +1497,9 @@
       <p:sp>
         <p:nvSpPr>
           <p:cNvPr id="40" name="Shape 40"/>
-          <p:cNvSpPr/>
+          <p:cNvSpPr>
+            <a:spLocks noGrp="1"/>
+          </p:cNvSpPr>
           <p:nvPr>
             <p:ph type="body" sz="quarter" idx="1"/>
           </p:nvPr>
@@ -1329,7 +1558,6 @@
             </a:lvl5pPr>
           </a:lstStyle>
           <a:p>
-            <a:pPr/>
             <a:r>
               <a:t>正文级别 1</a:t>
             </a:r>
@@ -1363,7 +1591,9 @@
       <p:sp>
         <p:nvSpPr>
           <p:cNvPr id="41" name="Shape 41"/>
-          <p:cNvSpPr/>
+          <p:cNvSpPr>
+            <a:spLocks noGrp="1"/>
+          </p:cNvSpPr>
           <p:nvPr>
             <p:ph type="sldNum" sz="quarter" idx="2"/>
           </p:nvPr>
@@ -1377,8 +1607,10 @@
           <a:bodyPr/>
           <a:lstStyle/>
           <a:p>
-            <a:pPr/>
-            <a:fld id="{86CB4B4D-7CA3-9044-876B-883B54F8677D}" type="slidenum"/>
+            <a:fld id="{86CB4B4D-7CA3-9044-876B-883B54F8677D}" type="slidenum">
+              <a:t>‹#›</a:t>
+            </a:fld>
+            <a:endParaRPr/>
           </a:p>
         </p:txBody>
       </p:sp>
@@ -1387,12 +1619,12 @@
   <p:clrMapOvr>
     <a:masterClrMapping/>
   </p:clrMapOvr>
-  <p:transition xmlns:p14="http://schemas.microsoft.com/office/powerpoint/2010/main" spd="med" advClick="1"/>
+  <p:transition spd="med"/>
 </p:sldLayout>
 </file>
 
 <file path=ppt/slideLayouts/slideLayout5.xml><?xml version="1.0" encoding="utf-8"?>
-<p:sldLayout xmlns:a="http://schemas.openxmlformats.org/drawingml/2006/main" xmlns:r="http://schemas.openxmlformats.org/officeDocument/2006/relationships" xmlns:p="http://schemas.openxmlformats.org/presentationml/2006/main" type="tx" showMasterSp="1" showMasterPhAnim="1">
+<p:sldLayout xmlns:a="http://schemas.openxmlformats.org/drawingml/2006/main" xmlns:r="http://schemas.openxmlformats.org/officeDocument/2006/relationships" xmlns:p="http://schemas.openxmlformats.org/presentationml/2006/main" type="tx">
   <p:cSld name="标题 - 顶部对齐">
     <p:spTree>
       <p:nvGrpSpPr>
@@ -1411,7 +1643,9 @@
       <p:sp>
         <p:nvSpPr>
           <p:cNvPr id="48" name="Shape 48"/>
-          <p:cNvSpPr/>
+          <p:cNvSpPr>
+            <a:spLocks noGrp="1"/>
+          </p:cNvSpPr>
           <p:nvPr>
             <p:ph type="title"/>
           </p:nvPr>
@@ -1425,7 +1659,6 @@
           <a:bodyPr/>
           <a:lstStyle/>
           <a:p>
-            <a:pPr/>
             <a:r>
               <a:t>标题文本</a:t>
             </a:r>
@@ -1435,7 +1668,9 @@
       <p:sp>
         <p:nvSpPr>
           <p:cNvPr id="49" name="Shape 49"/>
-          <p:cNvSpPr/>
+          <p:cNvSpPr>
+            <a:spLocks noGrp="1"/>
+          </p:cNvSpPr>
           <p:nvPr>
             <p:ph type="sldNum" sz="quarter" idx="2"/>
           </p:nvPr>
@@ -1449,8 +1684,10 @@
           <a:bodyPr/>
           <a:lstStyle/>
           <a:p>
-            <a:pPr/>
-            <a:fld id="{86CB4B4D-7CA3-9044-876B-883B54F8677D}" type="slidenum"/>
+            <a:fld id="{86CB4B4D-7CA3-9044-876B-883B54F8677D}" type="slidenum">
+              <a:t>‹#›</a:t>
+            </a:fld>
+            <a:endParaRPr/>
           </a:p>
         </p:txBody>
       </p:sp>
@@ -1459,12 +1696,12 @@
   <p:clrMapOvr>
     <a:masterClrMapping/>
   </p:clrMapOvr>
-  <p:transition xmlns:p14="http://schemas.microsoft.com/office/powerpoint/2010/main" spd="med" advClick="1"/>
+  <p:transition spd="med"/>
 </p:sldLayout>
 </file>
 
 <file path=ppt/slideLayouts/slideLayout6.xml><?xml version="1.0" encoding="utf-8"?>
-<p:sldLayout xmlns:a="http://schemas.openxmlformats.org/drawingml/2006/main" xmlns:r="http://schemas.openxmlformats.org/officeDocument/2006/relationships" xmlns:p="http://schemas.openxmlformats.org/presentationml/2006/main" type="tx" showMasterSp="1" showMasterPhAnim="1">
+<p:sldLayout xmlns:a="http://schemas.openxmlformats.org/drawingml/2006/main" xmlns:r="http://schemas.openxmlformats.org/officeDocument/2006/relationships" xmlns:p="http://schemas.openxmlformats.org/presentationml/2006/main" type="tx">
   <p:cSld name="标题与项目符号">
     <p:spTree>
       <p:nvGrpSpPr>
@@ -1483,7 +1720,9 @@
       <p:sp>
         <p:nvSpPr>
           <p:cNvPr id="56" name="Shape 56"/>
-          <p:cNvSpPr/>
+          <p:cNvSpPr>
+            <a:spLocks noGrp="1"/>
+          </p:cNvSpPr>
           <p:nvPr>
             <p:ph type="title"/>
           </p:nvPr>
@@ -1497,7 +1736,6 @@
           <a:bodyPr/>
           <a:lstStyle/>
           <a:p>
-            <a:pPr/>
             <a:r>
               <a:t>标题文本</a:t>
             </a:r>
@@ -1507,7 +1745,9 @@
       <p:sp>
         <p:nvSpPr>
           <p:cNvPr id="57" name="Shape 57"/>
-          <p:cNvSpPr/>
+          <p:cNvSpPr>
+            <a:spLocks noGrp="1"/>
+          </p:cNvSpPr>
           <p:nvPr>
             <p:ph type="body" idx="1"/>
           </p:nvPr>
@@ -1521,7 +1761,6 @@
           <a:bodyPr/>
           <a:lstStyle/>
           <a:p>
-            <a:pPr/>
             <a:r>
               <a:t>正文级别 1</a:t>
             </a:r>
@@ -1555,7 +1794,9 @@
       <p:sp>
         <p:nvSpPr>
           <p:cNvPr id="58" name="Shape 58"/>
-          <p:cNvSpPr/>
+          <p:cNvSpPr>
+            <a:spLocks noGrp="1"/>
+          </p:cNvSpPr>
           <p:nvPr>
             <p:ph type="sldNum" sz="quarter" idx="2"/>
           </p:nvPr>
@@ -1569,8 +1810,10 @@
           <a:bodyPr/>
           <a:lstStyle/>
           <a:p>
-            <a:pPr/>
-            <a:fld id="{86CB4B4D-7CA3-9044-876B-883B54F8677D}" type="slidenum"/>
+            <a:fld id="{86CB4B4D-7CA3-9044-876B-883B54F8677D}" type="slidenum">
+              <a:t>‹#›</a:t>
+            </a:fld>
+            <a:endParaRPr/>
           </a:p>
         </p:txBody>
       </p:sp>
@@ -1579,12 +1822,12 @@
   <p:clrMapOvr>
     <a:masterClrMapping/>
   </p:clrMapOvr>
-  <p:transition xmlns:p14="http://schemas.microsoft.com/office/powerpoint/2010/main" spd="med" advClick="1"/>
+  <p:transition spd="med"/>
 </p:sldLayout>
 </file>
 
 <file path=ppt/slideLayouts/slideLayout7.xml><?xml version="1.0" encoding="utf-8"?>
-<p:sldLayout xmlns:a="http://schemas.openxmlformats.org/drawingml/2006/main" xmlns:r="http://schemas.openxmlformats.org/officeDocument/2006/relationships" xmlns:p="http://schemas.openxmlformats.org/presentationml/2006/main" type="tx" showMasterSp="1" showMasterPhAnim="1">
+<p:sldLayout xmlns:a="http://schemas.openxmlformats.org/drawingml/2006/main" xmlns:r="http://schemas.openxmlformats.org/officeDocument/2006/relationships" xmlns:p="http://schemas.openxmlformats.org/presentationml/2006/main" type="tx">
   <p:cSld name="标题、项目符号与照片">
     <p:spTree>
       <p:nvGrpSpPr>
@@ -1603,7 +1846,9 @@
       <p:sp>
         <p:nvSpPr>
           <p:cNvPr id="65" name="Shape 65"/>
-          <p:cNvSpPr/>
+          <p:cNvSpPr>
+            <a:spLocks noGrp="1"/>
+          </p:cNvSpPr>
           <p:nvPr>
             <p:ph type="pic" sz="half" idx="13"/>
           </p:nvPr>
@@ -1623,14 +1868,16 @@
           </a:bodyPr>
           <a:lstStyle/>
           <a:p>
-            <a:pPr/>
+            <a:endParaRPr/>
           </a:p>
         </p:txBody>
       </p:sp>
       <p:sp>
         <p:nvSpPr>
           <p:cNvPr id="66" name="Shape 66"/>
-          <p:cNvSpPr/>
+          <p:cNvSpPr>
+            <a:spLocks noGrp="1"/>
+          </p:cNvSpPr>
           <p:nvPr>
             <p:ph type="title"/>
           </p:nvPr>
@@ -1644,7 +1891,6 @@
           <a:bodyPr/>
           <a:lstStyle/>
           <a:p>
-            <a:pPr/>
             <a:r>
               <a:t>标题文本</a:t>
             </a:r>
@@ -1654,7 +1900,9 @@
       <p:sp>
         <p:nvSpPr>
           <p:cNvPr id="67" name="Shape 67"/>
-          <p:cNvSpPr/>
+          <p:cNvSpPr>
+            <a:spLocks noGrp="1"/>
+          </p:cNvSpPr>
           <p:nvPr>
             <p:ph type="body" sz="half" idx="1"/>
           </p:nvPr>
@@ -1703,7 +1951,6 @@
             </a:lvl5pPr>
           </a:lstStyle>
           <a:p>
-            <a:pPr/>
             <a:r>
               <a:t>正文级别 1</a:t>
             </a:r>
@@ -1737,7 +1984,9 @@
       <p:sp>
         <p:nvSpPr>
           <p:cNvPr id="68" name="Shape 68"/>
-          <p:cNvSpPr/>
+          <p:cNvSpPr>
+            <a:spLocks noGrp="1"/>
+          </p:cNvSpPr>
           <p:nvPr>
             <p:ph type="sldNum" sz="quarter" idx="2"/>
           </p:nvPr>
@@ -1751,8 +2000,10 @@
           <a:bodyPr/>
           <a:lstStyle/>
           <a:p>
-            <a:pPr/>
-            <a:fld id="{86CB4B4D-7CA3-9044-876B-883B54F8677D}" type="slidenum"/>
+            <a:fld id="{86CB4B4D-7CA3-9044-876B-883B54F8677D}" type="slidenum">
+              <a:t>‹#›</a:t>
+            </a:fld>
+            <a:endParaRPr/>
           </a:p>
         </p:txBody>
       </p:sp>
@@ -1761,12 +2012,12 @@
   <p:clrMapOvr>
     <a:masterClrMapping/>
   </p:clrMapOvr>
-  <p:transition xmlns:p14="http://schemas.microsoft.com/office/powerpoint/2010/main" spd="med" advClick="1"/>
+  <p:transition spd="med"/>
 </p:sldLayout>
 </file>
 
 <file path=ppt/slideLayouts/slideLayout8.xml><?xml version="1.0" encoding="utf-8"?>
-<p:sldLayout xmlns:a="http://schemas.openxmlformats.org/drawingml/2006/main" xmlns:r="http://schemas.openxmlformats.org/officeDocument/2006/relationships" xmlns:p="http://schemas.openxmlformats.org/presentationml/2006/main" type="tx" showMasterSp="1" showMasterPhAnim="1">
+<p:sldLayout xmlns:a="http://schemas.openxmlformats.org/drawingml/2006/main" xmlns:r="http://schemas.openxmlformats.org/officeDocument/2006/relationships" xmlns:p="http://schemas.openxmlformats.org/presentationml/2006/main" type="tx">
   <p:cSld name="项目符号">
     <p:spTree>
       <p:nvGrpSpPr>
@@ -1785,7 +2036,9 @@
       <p:sp>
         <p:nvSpPr>
           <p:cNvPr id="75" name="Shape 75"/>
-          <p:cNvSpPr/>
+          <p:cNvSpPr>
+            <a:spLocks noGrp="1"/>
+          </p:cNvSpPr>
           <p:nvPr>
             <p:ph type="body" idx="1"/>
           </p:nvPr>
@@ -1803,7 +2056,6 @@
           <a:bodyPr/>
           <a:lstStyle/>
           <a:p>
-            <a:pPr/>
             <a:r>
               <a:t>正文级别 1</a:t>
             </a:r>
@@ -1837,7 +2089,9 @@
       <p:sp>
         <p:nvSpPr>
           <p:cNvPr id="76" name="Shape 76"/>
-          <p:cNvSpPr/>
+          <p:cNvSpPr>
+            <a:spLocks noGrp="1"/>
+          </p:cNvSpPr>
           <p:nvPr>
             <p:ph type="sldNum" sz="quarter" idx="2"/>
           </p:nvPr>
@@ -1851,8 +2105,10 @@
           <a:bodyPr/>
           <a:lstStyle/>
           <a:p>
-            <a:pPr/>
-            <a:fld id="{86CB4B4D-7CA3-9044-876B-883B54F8677D}" type="slidenum"/>
+            <a:fld id="{86CB4B4D-7CA3-9044-876B-883B54F8677D}" type="slidenum">
+              <a:t>‹#›</a:t>
+            </a:fld>
+            <a:endParaRPr/>
           </a:p>
         </p:txBody>
       </p:sp>
@@ -1861,12 +2117,12 @@
   <p:clrMapOvr>
     <a:masterClrMapping/>
   </p:clrMapOvr>
-  <p:transition xmlns:p14="http://schemas.microsoft.com/office/powerpoint/2010/main" spd="med" advClick="1"/>
+  <p:transition spd="med"/>
 </p:sldLayout>
 </file>
 
 <file path=ppt/slideLayouts/slideLayout9.xml><?xml version="1.0" encoding="utf-8"?>
-<p:sldLayout xmlns:a="http://schemas.openxmlformats.org/drawingml/2006/main" xmlns:r="http://schemas.openxmlformats.org/officeDocument/2006/relationships" xmlns:p="http://schemas.openxmlformats.org/presentationml/2006/main" type="tx" showMasterSp="1" showMasterPhAnim="1">
+<p:sldLayout xmlns:a="http://schemas.openxmlformats.org/drawingml/2006/main" xmlns:r="http://schemas.openxmlformats.org/officeDocument/2006/relationships" xmlns:p="http://schemas.openxmlformats.org/presentationml/2006/main" type="tx">
   <p:cSld name="照片 - 3 联">
     <p:spTree>
       <p:nvGrpSpPr>
@@ -1885,7 +2141,9 @@
       <p:sp>
         <p:nvSpPr>
           <p:cNvPr id="83" name="Shape 83"/>
-          <p:cNvSpPr/>
+          <p:cNvSpPr>
+            <a:spLocks noGrp="1"/>
+          </p:cNvSpPr>
           <p:nvPr>
             <p:ph type="pic" sz="quarter" idx="13"/>
           </p:nvPr>
@@ -1905,14 +2163,16 @@
           </a:bodyPr>
           <a:lstStyle/>
           <a:p>
-            <a:pPr/>
+            <a:endParaRPr/>
           </a:p>
         </p:txBody>
       </p:sp>
       <p:sp>
         <p:nvSpPr>
           <p:cNvPr id="84" name="Shape 84"/>
-          <p:cNvSpPr/>
+          <p:cNvSpPr>
+            <a:spLocks noGrp="1"/>
+          </p:cNvSpPr>
           <p:nvPr>
             <p:ph type="pic" sz="quarter" idx="14"/>
           </p:nvPr>
@@ -1932,14 +2192,16 @@
           </a:bodyPr>
           <a:lstStyle/>
           <a:p>
-            <a:pPr/>
+            <a:endParaRPr/>
           </a:p>
         </p:txBody>
       </p:sp>
       <p:sp>
         <p:nvSpPr>
           <p:cNvPr id="85" name="Shape 85"/>
-          <p:cNvSpPr/>
+          <p:cNvSpPr>
+            <a:spLocks noGrp="1"/>
+          </p:cNvSpPr>
           <p:nvPr>
             <p:ph type="pic" sz="half" idx="15"/>
           </p:nvPr>
@@ -1959,14 +2221,16 @@
           </a:bodyPr>
           <a:lstStyle/>
           <a:p>
-            <a:pPr/>
+            <a:endParaRPr/>
           </a:p>
         </p:txBody>
       </p:sp>
       <p:sp>
         <p:nvSpPr>
           <p:cNvPr id="86" name="Shape 86"/>
-          <p:cNvSpPr/>
+          <p:cNvSpPr>
+            <a:spLocks noGrp="1"/>
+          </p:cNvSpPr>
           <p:nvPr>
             <p:ph type="sldNum" sz="quarter" idx="2"/>
           </p:nvPr>
@@ -1980,8 +2244,10 @@
           <a:bodyPr/>
           <a:lstStyle/>
           <a:p>
-            <a:pPr/>
-            <a:fld id="{86CB4B4D-7CA3-9044-876B-883B54F8677D}" type="slidenum"/>
+            <a:fld id="{86CB4B4D-7CA3-9044-876B-883B54F8677D}" type="slidenum">
+              <a:t>‹#›</a:t>
+            </a:fld>
+            <a:endParaRPr/>
           </a:p>
         </p:txBody>
       </p:sp>
@@ -1990,7 +2256,7 @@
   <p:clrMapOvr>
     <a:masterClrMapping/>
   </p:clrMapOvr>
-  <p:transition xmlns:p14="http://schemas.microsoft.com/office/powerpoint/2010/main" spd="med" advClick="1"/>
+  <p:transition spd="med"/>
 </p:sldLayout>
 </file>
 
@@ -2000,12 +2266,13 @@
     <p:bg>
       <p:bgPr>
         <a:blipFill rotWithShape="1">
-          <a:blip r:embed="rId2"/>
-          <a:srcRect l="0" t="0" r="0" b="0"/>
+          <a:blip r:embed="rId14"/>
+          <a:srcRect/>
           <a:stretch>
             <a:fillRect/>
           </a:stretch>
         </a:blipFill>
+        <a:effectLst/>
       </p:bgPr>
     </p:bg>
     <p:spTree>
@@ -2025,7 +2292,9 @@
       <p:sp>
         <p:nvSpPr>
           <p:cNvPr id="2" name="Shape 2"/>
-          <p:cNvSpPr/>
+          <p:cNvSpPr>
+            <a:spLocks noGrp="1"/>
+          </p:cNvSpPr>
           <p:nvPr>
             <p:ph type="title"/>
           </p:nvPr>
@@ -2043,17 +2312,16 @@
           </a:ln>
           <a:extLst>
             <a:ext uri="{C572A759-6A51-4108-AA02-DFA0A04FC94B}">
-              <ma14:wrappingTextBoxFlag xmlns:ma14="http://schemas.microsoft.com/office/mac/drawingml/2011/main" val="1"/>
+              <ma14:wrappingTextBoxFlag xmlns:ma14="http://schemas.microsoft.com/office/mac/drawingml/2011/main" xmlns="" val="1"/>
             </a:ext>
           </a:extLst>
         </p:spPr>
         <p:txBody>
           <a:bodyPr lIns="50800" tIns="50800" rIns="50800" bIns="50800" anchor="ctr">
-            <a:normAutofit fontScale="100000" lnSpcReduction="0"/>
+            <a:normAutofit/>
           </a:bodyPr>
           <a:lstStyle/>
           <a:p>
-            <a:pPr/>
             <a:r>
               <a:t>标题文本</a:t>
             </a:r>
@@ -2063,7 +2331,9 @@
       <p:sp>
         <p:nvSpPr>
           <p:cNvPr id="3" name="Shape 3"/>
-          <p:cNvSpPr/>
+          <p:cNvSpPr>
+            <a:spLocks noGrp="1"/>
+          </p:cNvSpPr>
           <p:nvPr>
             <p:ph type="body" idx="1"/>
           </p:nvPr>
@@ -2081,17 +2351,16 @@
           </a:ln>
           <a:extLst>
             <a:ext uri="{C572A759-6A51-4108-AA02-DFA0A04FC94B}">
-              <ma14:wrappingTextBoxFlag xmlns:ma14="http://schemas.microsoft.com/office/mac/drawingml/2011/main" val="1"/>
+              <ma14:wrappingTextBoxFlag xmlns:ma14="http://schemas.microsoft.com/office/mac/drawingml/2011/main" xmlns="" val="1"/>
             </a:ext>
           </a:extLst>
         </p:spPr>
         <p:txBody>
           <a:bodyPr lIns="50800" tIns="50800" rIns="50800" bIns="50800" anchor="ctr">
-            <a:normAutofit fontScale="100000" lnSpcReduction="0"/>
+            <a:normAutofit/>
           </a:bodyPr>
           <a:lstStyle/>
           <a:p>
-            <a:pPr/>
             <a:r>
               <a:t>正文级别 1</a:t>
             </a:r>
@@ -2125,7 +2394,9 @@
       <p:sp>
         <p:nvSpPr>
           <p:cNvPr id="4" name="Shape 4"/>
-          <p:cNvSpPr/>
+          <p:cNvSpPr>
+            <a:spLocks noGrp="1"/>
+          </p:cNvSpPr>
           <p:nvPr>
             <p:ph type="sldNum" sz="quarter" idx="2"/>
           </p:nvPr>
@@ -2152,8 +2423,10 @@
             </a:lvl1pPr>
           </a:lstStyle>
           <a:p>
-            <a:pPr/>
-            <a:fld id="{86CB4B4D-7CA3-9044-876B-883B54F8677D}" type="slidenum"/>
+            <a:fld id="{86CB4B4D-7CA3-9044-876B-883B54F8677D}" type="slidenum">
+              <a:t>‹#›</a:t>
+            </a:fld>
+            <a:endParaRPr/>
           </a:p>
         </p:txBody>
       </p:sp>
@@ -2161,20 +2434,20 @@
   </p:cSld>
   <p:clrMap bg1="dk1" tx1="lt1" bg2="dk2" tx2="lt2" accent1="accent1" accent2="accent2" accent3="accent3" accent4="accent4" accent5="accent5" accent6="accent6" hlink="hlink" folHlink="folHlink"/>
   <p:sldLayoutIdLst>
-    <p:sldLayoutId id="2147483649" r:id="rId3"/>
-    <p:sldLayoutId id="2147483650" r:id="rId4"/>
-    <p:sldLayoutId id="2147483651" r:id="rId5"/>
-    <p:sldLayoutId id="2147483652" r:id="rId6"/>
-    <p:sldLayoutId id="2147483653" r:id="rId7"/>
-    <p:sldLayoutId id="2147483654" r:id="rId8"/>
-    <p:sldLayoutId id="2147483655" r:id="rId9"/>
-    <p:sldLayoutId id="2147483656" r:id="rId10"/>
-    <p:sldLayoutId id="2147483657" r:id="rId11"/>
-    <p:sldLayoutId id="2147483658" r:id="rId12"/>
-    <p:sldLayoutId id="2147483659" r:id="rId13"/>
-    <p:sldLayoutId id="2147483660" r:id="rId14"/>
+    <p:sldLayoutId id="2147483649" r:id="rId1"/>
+    <p:sldLayoutId id="2147483650" r:id="rId2"/>
+    <p:sldLayoutId id="2147483651" r:id="rId3"/>
+    <p:sldLayoutId id="2147483652" r:id="rId4"/>
+    <p:sldLayoutId id="2147483653" r:id="rId5"/>
+    <p:sldLayoutId id="2147483654" r:id="rId6"/>
+    <p:sldLayoutId id="2147483655" r:id="rId7"/>
+    <p:sldLayoutId id="2147483656" r:id="rId8"/>
+    <p:sldLayoutId id="2147483657" r:id="rId9"/>
+    <p:sldLayoutId id="2147483658" r:id="rId10"/>
+    <p:sldLayoutId id="2147483659" r:id="rId11"/>
+    <p:sldLayoutId id="2147483660" r:id="rId12"/>
   </p:sldLayoutIdLst>
-  <p:transition xmlns:p14="http://schemas.microsoft.com/office/powerpoint/2010/main" spd="med" advClick="1"/>
+  <p:transition spd="med"/>
   <p:txStyles>
     <p:titleStyle>
       <a:lvl1pPr marL="0" marR="0" indent="0" algn="ctr" defTabSz="584200" rtl="0" latinLnBrk="0">
@@ -2192,7 +2465,7 @@
         <a:buFontTx/>
         <a:buNone/>
         <a:tabLst/>
-        <a:defRPr b="0" baseline="0" cap="none" i="0" spc="0" strike="noStrike" sz="8000" u="none">
+        <a:defRPr sz="8000" b="0" i="0" u="none" strike="noStrike" cap="none" spc="0" baseline="0">
           <a:ln>
             <a:noFill/>
           </a:ln>
@@ -2221,7 +2494,7 @@
         <a:buFontTx/>
         <a:buNone/>
         <a:tabLst/>
-        <a:defRPr b="0" baseline="0" cap="none" i="0" spc="0" strike="noStrike" sz="8000" u="none">
+        <a:defRPr sz="8000" b="0" i="0" u="none" strike="noStrike" cap="none" spc="0" baseline="0">
           <a:ln>
             <a:noFill/>
           </a:ln>
@@ -2250,7 +2523,7 @@
         <a:buFontTx/>
         <a:buNone/>
         <a:tabLst/>
-        <a:defRPr b="0" baseline="0" cap="none" i="0" spc="0" strike="noStrike" sz="8000" u="none">
+        <a:defRPr sz="8000" b="0" i="0" u="none" strike="noStrike" cap="none" spc="0" baseline="0">
           <a:ln>
             <a:noFill/>
           </a:ln>
@@ -2279,7 +2552,7 @@
         <a:buFontTx/>
         <a:buNone/>
         <a:tabLst/>
-        <a:defRPr b="0" baseline="0" cap="none" i="0" spc="0" strike="noStrike" sz="8000" u="none">
+        <a:defRPr sz="8000" b="0" i="0" u="none" strike="noStrike" cap="none" spc="0" baseline="0">
           <a:ln>
             <a:noFill/>
           </a:ln>
@@ -2308,7 +2581,7 @@
         <a:buFontTx/>
         <a:buNone/>
         <a:tabLst/>
-        <a:defRPr b="0" baseline="0" cap="none" i="0" spc="0" strike="noStrike" sz="8000" u="none">
+        <a:defRPr sz="8000" b="0" i="0" u="none" strike="noStrike" cap="none" spc="0" baseline="0">
           <a:ln>
             <a:noFill/>
           </a:ln>
@@ -2337,7 +2610,7 @@
         <a:buFontTx/>
         <a:buNone/>
         <a:tabLst/>
-        <a:defRPr b="0" baseline="0" cap="none" i="0" spc="0" strike="noStrike" sz="8000" u="none">
+        <a:defRPr sz="8000" b="0" i="0" u="none" strike="noStrike" cap="none" spc="0" baseline="0">
           <a:ln>
             <a:noFill/>
           </a:ln>
@@ -2366,7 +2639,7 @@
         <a:buFontTx/>
         <a:buNone/>
         <a:tabLst/>
-        <a:defRPr b="0" baseline="0" cap="none" i="0" spc="0" strike="noStrike" sz="8000" u="none">
+        <a:defRPr sz="8000" b="0" i="0" u="none" strike="noStrike" cap="none" spc="0" baseline="0">
           <a:ln>
             <a:noFill/>
           </a:ln>
@@ -2395,7 +2668,7 @@
         <a:buFontTx/>
         <a:buNone/>
         <a:tabLst/>
-        <a:defRPr b="0" baseline="0" cap="none" i="0" spc="0" strike="noStrike" sz="8000" u="none">
+        <a:defRPr sz="8000" b="0" i="0" u="none" strike="noStrike" cap="none" spc="0" baseline="0">
           <a:ln>
             <a:noFill/>
           </a:ln>
@@ -2424,7 +2697,7 @@
         <a:buFontTx/>
         <a:buNone/>
         <a:tabLst/>
-        <a:defRPr b="0" baseline="0" cap="none" i="0" spc="0" strike="noStrike" sz="8000" u="none">
+        <a:defRPr sz="8000" b="0" i="0" u="none" strike="noStrike" cap="none" spc="0" baseline="0">
           <a:ln>
             <a:noFill/>
           </a:ln>
@@ -2455,7 +2728,7 @@
         <a:buFontTx/>
         <a:buChar char="•"/>
         <a:tabLst/>
-        <a:defRPr b="0" baseline="0" cap="none" i="0" spc="0" strike="noStrike" sz="3800" u="none">
+        <a:defRPr sz="3800" b="0" i="0" u="none" strike="noStrike" cap="none" spc="0" baseline="0">
           <a:ln>
             <a:noFill/>
           </a:ln>
@@ -2484,7 +2757,7 @@
         <a:buFontTx/>
         <a:buChar char="•"/>
         <a:tabLst/>
-        <a:defRPr b="0" baseline="0" cap="none" i="0" spc="0" strike="noStrike" sz="3800" u="none">
+        <a:defRPr sz="3800" b="0" i="0" u="none" strike="noStrike" cap="none" spc="0" baseline="0">
           <a:ln>
             <a:noFill/>
           </a:ln>
@@ -2513,7 +2786,7 @@
         <a:buFontTx/>
         <a:buChar char="•"/>
         <a:tabLst/>
-        <a:defRPr b="0" baseline="0" cap="none" i="0" spc="0" strike="noStrike" sz="3800" u="none">
+        <a:defRPr sz="3800" b="0" i="0" u="none" strike="noStrike" cap="none" spc="0" baseline="0">
           <a:ln>
             <a:noFill/>
           </a:ln>
@@ -2542,7 +2815,7 @@
         <a:buFontTx/>
         <a:buChar char="•"/>
         <a:tabLst/>
-        <a:defRPr b="0" baseline="0" cap="none" i="0" spc="0" strike="noStrike" sz="3800" u="none">
+        <a:defRPr sz="3800" b="0" i="0" u="none" strike="noStrike" cap="none" spc="0" baseline="0">
           <a:ln>
             <a:noFill/>
           </a:ln>
@@ -2571,7 +2844,7 @@
         <a:buFontTx/>
         <a:buChar char="•"/>
         <a:tabLst/>
-        <a:defRPr b="0" baseline="0" cap="none" i="0" spc="0" strike="noStrike" sz="3800" u="none">
+        <a:defRPr sz="3800" b="0" i="0" u="none" strike="noStrike" cap="none" spc="0" baseline="0">
           <a:ln>
             <a:noFill/>
           </a:ln>
@@ -2600,7 +2873,7 @@
         <a:buFontTx/>
         <a:buChar char="•"/>
         <a:tabLst/>
-        <a:defRPr b="0" baseline="0" cap="none" i="0" spc="0" strike="noStrike" sz="3800" u="none">
+        <a:defRPr sz="3800" b="0" i="0" u="none" strike="noStrike" cap="none" spc="0" baseline="0">
           <a:ln>
             <a:noFill/>
           </a:ln>
@@ -2629,7 +2902,7 @@
         <a:buFontTx/>
         <a:buChar char="•"/>
         <a:tabLst/>
-        <a:defRPr b="0" baseline="0" cap="none" i="0" spc="0" strike="noStrike" sz="3800" u="none">
+        <a:defRPr sz="3800" b="0" i="0" u="none" strike="noStrike" cap="none" spc="0" baseline="0">
           <a:ln>
             <a:noFill/>
           </a:ln>
@@ -2658,7 +2931,7 @@
         <a:buFontTx/>
         <a:buChar char="•"/>
         <a:tabLst/>
-        <a:defRPr b="0" baseline="0" cap="none" i="0" spc="0" strike="noStrike" sz="3800" u="none">
+        <a:defRPr sz="3800" b="0" i="0" u="none" strike="noStrike" cap="none" spc="0" baseline="0">
           <a:ln>
             <a:noFill/>
           </a:ln>
@@ -2687,7 +2960,7 @@
         <a:buFontTx/>
         <a:buChar char="•"/>
         <a:tabLst/>
-        <a:defRPr b="0" baseline="0" cap="none" i="0" spc="0" strike="noStrike" sz="3800" u="none">
+        <a:defRPr sz="3800" b="0" i="0" u="none" strike="noStrike" cap="none" spc="0" baseline="0">
           <a:ln>
             <a:noFill/>
           </a:ln>
@@ -2718,7 +2991,7 @@
         <a:buFontTx/>
         <a:buNone/>
         <a:tabLst/>
-        <a:defRPr b="0" baseline="0" cap="none" i="0" spc="0" strike="noStrike" sz="1800" u="none">
+        <a:defRPr sz="1800" b="0" i="0" u="none" strike="noStrike" cap="none" spc="0" baseline="0">
           <a:ln>
             <a:noFill/>
           </a:ln>
@@ -2747,7 +3020,7 @@
         <a:buFontTx/>
         <a:buNone/>
         <a:tabLst/>
-        <a:defRPr b="0" baseline="0" cap="none" i="0" spc="0" strike="noStrike" sz="1800" u="none">
+        <a:defRPr sz="1800" b="0" i="0" u="none" strike="noStrike" cap="none" spc="0" baseline="0">
           <a:ln>
             <a:noFill/>
           </a:ln>
@@ -2776,7 +3049,7 @@
         <a:buFontTx/>
         <a:buNone/>
         <a:tabLst/>
-        <a:defRPr b="0" baseline="0" cap="none" i="0" spc="0" strike="noStrike" sz="1800" u="none">
+        <a:defRPr sz="1800" b="0" i="0" u="none" strike="noStrike" cap="none" spc="0" baseline="0">
           <a:ln>
             <a:noFill/>
           </a:ln>
@@ -2805,7 +3078,7 @@
         <a:buFontTx/>
         <a:buNone/>
         <a:tabLst/>
-        <a:defRPr b="0" baseline="0" cap="none" i="0" spc="0" strike="noStrike" sz="1800" u="none">
+        <a:defRPr sz="1800" b="0" i="0" u="none" strike="noStrike" cap="none" spc="0" baseline="0">
           <a:ln>
             <a:noFill/>
           </a:ln>
@@ -2834,7 +3107,7 @@
         <a:buFontTx/>
         <a:buNone/>
         <a:tabLst/>
-        <a:defRPr b="0" baseline="0" cap="none" i="0" spc="0" strike="noStrike" sz="1800" u="none">
+        <a:defRPr sz="1800" b="0" i="0" u="none" strike="noStrike" cap="none" spc="0" baseline="0">
           <a:ln>
             <a:noFill/>
           </a:ln>
@@ -2863,7 +3136,7 @@
         <a:buFontTx/>
         <a:buNone/>
         <a:tabLst/>
-        <a:defRPr b="0" baseline="0" cap="none" i="0" spc="0" strike="noStrike" sz="1800" u="none">
+        <a:defRPr sz="1800" b="0" i="0" u="none" strike="noStrike" cap="none" spc="0" baseline="0">
           <a:ln>
             <a:noFill/>
           </a:ln>
@@ -2892,7 +3165,7 @@
         <a:buFontTx/>
         <a:buNone/>
         <a:tabLst/>
-        <a:defRPr b="0" baseline="0" cap="none" i="0" spc="0" strike="noStrike" sz="1800" u="none">
+        <a:defRPr sz="1800" b="0" i="0" u="none" strike="noStrike" cap="none" spc="0" baseline="0">
           <a:ln>
             <a:noFill/>
           </a:ln>
@@ -2921,7 +3194,7 @@
         <a:buFontTx/>
         <a:buNone/>
         <a:tabLst/>
-        <a:defRPr b="0" baseline="0" cap="none" i="0" spc="0" strike="noStrike" sz="1800" u="none">
+        <a:defRPr sz="1800" b="0" i="0" u="none" strike="noStrike" cap="none" spc="0" baseline="0">
           <a:ln>
             <a:noFill/>
           </a:ln>
@@ -2950,7 +3223,7 @@
         <a:buFontTx/>
         <a:buNone/>
         <a:tabLst/>
-        <a:defRPr b="0" baseline="0" cap="none" i="0" spc="0" strike="noStrike" sz="1800" u="none">
+        <a:defRPr sz="1800" b="0" i="0" u="none" strike="noStrike" cap="none" spc="0" baseline="0">
           <a:ln>
             <a:noFill/>
           </a:ln>
@@ -2970,7 +3243,7 @@
 </file>
 
 <file path=ppt/slides/slide1.xml><?xml version="1.0" encoding="utf-8"?>
-<p:sld xmlns:a="http://schemas.openxmlformats.org/drawingml/2006/main" xmlns:r="http://schemas.openxmlformats.org/officeDocument/2006/relationships" xmlns:p="http://schemas.openxmlformats.org/presentationml/2006/main" showMasterSp="1" showMasterPhAnim="1">
+<p:sld xmlns:a="http://schemas.openxmlformats.org/drawingml/2006/main" xmlns:r="http://schemas.openxmlformats.org/officeDocument/2006/relationships" xmlns:p="http://schemas.openxmlformats.org/presentationml/2006/main">
   <p:cSld>
     <p:spTree>
       <p:nvGrpSpPr>
@@ -2989,7 +3262,9 @@
       <p:sp>
         <p:nvSpPr>
           <p:cNvPr id="119" name="Shape 119"/>
-          <p:cNvSpPr/>
+          <p:cNvSpPr>
+            <a:spLocks noGrp="1"/>
+          </p:cNvSpPr>
           <p:nvPr>
             <p:ph type="ctrTitle"/>
           </p:nvPr>
@@ -3003,7 +3278,6 @@
           <a:bodyPr/>
           <a:lstStyle/>
           <a:p>
-            <a:pPr/>
             <a:r>
               <a:t>JVM内存管理和回收</a:t>
             </a:r>
@@ -3013,7 +3287,9 @@
       <p:sp>
         <p:nvSpPr>
           <p:cNvPr id="120" name="Shape 120"/>
-          <p:cNvSpPr/>
+          <p:cNvSpPr>
+            <a:spLocks noGrp="1"/>
+          </p:cNvSpPr>
           <p:nvPr>
             <p:ph type="subTitle" sz="quarter" idx="1"/>
           </p:nvPr>
@@ -3027,7 +3303,7 @@
           <a:bodyPr/>
           <a:lstStyle/>
           <a:p>
-            <a:pPr/>
+            <a:endParaRPr/>
           </a:p>
         </p:txBody>
       </p:sp>
@@ -3036,12 +3312,379 @@
   <p:clrMapOvr>
     <a:masterClrMapping/>
   </p:clrMapOvr>
-  <p:transition xmlns:p14="http://schemas.microsoft.com/office/powerpoint/2010/main" spd="med" advClick="1"/>
+  <p:transition spd="med"/>
+</p:sld>
+</file>
+
+<file path=ppt/slides/slide10.xml><?xml version="1.0" encoding="utf-8"?>
+<p:sld xmlns:a="http://schemas.openxmlformats.org/drawingml/2006/main" xmlns:r="http://schemas.openxmlformats.org/officeDocument/2006/relationships" xmlns:p="http://schemas.openxmlformats.org/presentationml/2006/main">
+  <p:cSld>
+    <p:spTree>
+      <p:nvGrpSpPr>
+        <p:cNvPr id="1" name=""/>
+        <p:cNvGrpSpPr/>
+        <p:nvPr/>
+      </p:nvGrpSpPr>
+      <p:grpSpPr>
+        <a:xfrm>
+          <a:off x="0" y="0"/>
+          <a:ext cx="0" cy="0"/>
+          <a:chOff x="0" y="0"/>
+          <a:chExt cx="0" cy="0"/>
+        </a:xfrm>
+      </p:grpSpPr>
+      <p:sp>
+        <p:nvSpPr>
+          <p:cNvPr id="2" name="Title 1"/>
+          <p:cNvSpPr>
+            <a:spLocks noGrp="1"/>
+          </p:cNvSpPr>
+          <p:nvPr>
+            <p:ph type="title"/>
+          </p:nvPr>
+        </p:nvSpPr>
+        <p:spPr/>
+        <p:txBody>
+          <a:bodyPr/>
+          <a:lstStyle/>
+          <a:p>
+            <a:r>
+              <a:rPr lang="zh-CN" altLang="en-US" b="1" dirty="0"/>
+              <a:t>对象分配规则</a:t>
+            </a:r>
+            <a:endParaRPr lang="zh-CN" altLang="en-US" dirty="0"/>
+          </a:p>
+        </p:txBody>
+      </p:sp>
+      <p:pic>
+        <p:nvPicPr>
+          <p:cNvPr id="3" name="Picture 2"/>
+          <p:cNvPicPr>
+            <a:picLocks noChangeAspect="1"/>
+          </p:cNvPicPr>
+          <p:nvPr/>
+        </p:nvPicPr>
+        <p:blipFill rotWithShape="1">
+          <a:blip r:embed="rId2"/>
+          <a:srcRect l="6645" t="28812" r="30924"/>
+          <a:stretch/>
+        </p:blipFill>
+        <p:spPr>
+          <a:xfrm>
+            <a:off x="363255" y="5110619"/>
+            <a:ext cx="8978594" cy="4421686"/>
+          </a:xfrm>
+          <a:prstGeom prst="rect">
+            <a:avLst/>
+          </a:prstGeom>
+        </p:spPr>
+      </p:pic>
+      <p:sp>
+        <p:nvSpPr>
+          <p:cNvPr id="4" name="TextBox 3"/>
+          <p:cNvSpPr txBox="1"/>
+          <p:nvPr/>
+        </p:nvSpPr>
+        <p:spPr>
+          <a:xfrm>
+            <a:off x="225501" y="2804299"/>
+            <a:ext cx="11998477" cy="718145"/>
+          </a:xfrm>
+          <a:prstGeom prst="rect">
+            <a:avLst/>
+          </a:prstGeom>
+          <a:noFill/>
+          <a:ln w="12700" cap="flat">
+            <a:noFill/>
+            <a:miter lim="400000"/>
+          </a:ln>
+          <a:effectLst/>
+          <a:sp3d/>
+        </p:spPr>
+        <p:style>
+          <a:lnRef idx="0">
+            <a:scrgbClr r="0" g="0" b="0"/>
+          </a:lnRef>
+          <a:fillRef idx="0">
+            <a:scrgbClr r="0" g="0" b="0"/>
+          </a:fillRef>
+          <a:effectRef idx="0">
+            <a:scrgbClr r="0" g="0" b="0"/>
+          </a:effectRef>
+          <a:fontRef idx="none"/>
+        </p:style>
+        <p:txBody>
+          <a:bodyPr rot="0" spcFirstLastPara="1" vertOverflow="overflow" horzOverflow="overflow" vert="horz" wrap="none" lIns="50800" tIns="50800" rIns="50800" bIns="50800" numCol="1" spcCol="38100" rtlCol="0" anchor="ctr">
+            <a:spAutoFit/>
+          </a:bodyPr>
+          <a:lstStyle/>
+          <a:p>
+            <a:pPr algn="l"/>
+            <a:r>
+              <a:rPr lang="en-US" altLang="zh-CN" sz="2000" dirty="0"/>
+              <a:t>2.</a:t>
+            </a:r>
+            <a:r>
+              <a:rPr lang="zh-CN" altLang="en-US" sz="2000" dirty="0"/>
+              <a:t>大对象直接进入老年代</a:t>
+            </a:r>
+            <a:r>
+              <a:rPr lang="en-US" altLang="zh-CN" sz="2000" dirty="0"/>
+              <a:t>(</a:t>
+            </a:r>
+            <a:r>
+              <a:rPr lang="zh-CN" altLang="en-US" sz="2000" dirty="0"/>
+              <a:t>大对象是指需要大量连续内存空间的对象</a:t>
+            </a:r>
+            <a:r>
+              <a:rPr lang="en-US" altLang="zh-CN" sz="2000" dirty="0"/>
+              <a:t>),</a:t>
+            </a:r>
+          </a:p>
+          <a:p>
+            <a:r>
+              <a:rPr lang="zh-CN" altLang="en-US" sz="2000" dirty="0"/>
+              <a:t>这样做的目的是避免在</a:t>
+            </a:r>
+            <a:r>
+              <a:rPr lang="en-US" altLang="zh-CN" sz="2000" dirty="0"/>
+              <a:t>Eden</a:t>
+            </a:r>
+            <a:r>
+              <a:rPr lang="zh-CN" altLang="en-US" sz="2000" dirty="0"/>
+              <a:t>区和两个</a:t>
+            </a:r>
+            <a:r>
+              <a:rPr lang="en-US" altLang="zh-CN" sz="2000" dirty="0"/>
+              <a:t>Survivor</a:t>
+            </a:r>
+            <a:r>
+              <a:rPr lang="zh-CN" altLang="en-US" sz="2000" dirty="0"/>
+              <a:t>区之间发生大量的内存拷贝（新生代采用复制算法收集内存）</a:t>
+            </a:r>
+            <a:endParaRPr kumimoji="0" lang="zh-CN" altLang="en-US" sz="2000" b="0" i="0" u="none" strike="noStrike" cap="none" spc="0" normalizeH="0" baseline="0" dirty="0">
+              <a:ln>
+                <a:noFill/>
+              </a:ln>
+              <a:solidFill>
+                <a:srgbClr val="FFFFFF"/>
+              </a:solidFill>
+              <a:effectLst/>
+              <a:uFillTx/>
+              <a:sym typeface="Helvetica Light"/>
+            </a:endParaRPr>
+          </a:p>
+        </p:txBody>
+      </p:sp>
+    </p:spTree>
+    <p:extLst>
+      <p:ext uri="{BB962C8B-B14F-4D97-AF65-F5344CB8AC3E}">
+        <p14:creationId xmlns:p14="http://schemas.microsoft.com/office/powerpoint/2010/main" val="251922656"/>
+      </p:ext>
+    </p:extLst>
+  </p:cSld>
+  <p:clrMapOvr>
+    <a:masterClrMapping/>
+  </p:clrMapOvr>
+  <p:transition spd="med"/>
+</p:sld>
+</file>
+
+<file path=ppt/slides/slide11.xml><?xml version="1.0" encoding="utf-8"?>
+<p:sld xmlns:a="http://schemas.openxmlformats.org/drawingml/2006/main" xmlns:r="http://schemas.openxmlformats.org/officeDocument/2006/relationships" xmlns:p="http://schemas.openxmlformats.org/presentationml/2006/main">
+  <p:cSld>
+    <p:spTree>
+      <p:nvGrpSpPr>
+        <p:cNvPr id="1" name=""/>
+        <p:cNvGrpSpPr/>
+        <p:nvPr/>
+      </p:nvGrpSpPr>
+      <p:grpSpPr>
+        <a:xfrm>
+          <a:off x="0" y="0"/>
+          <a:ext cx="0" cy="0"/>
+          <a:chOff x="0" y="0"/>
+          <a:chExt cx="0" cy="0"/>
+        </a:xfrm>
+      </p:grpSpPr>
+      <p:sp>
+        <p:nvSpPr>
+          <p:cNvPr id="2" name="Title 1"/>
+          <p:cNvSpPr>
+            <a:spLocks noGrp="1"/>
+          </p:cNvSpPr>
+          <p:nvPr>
+            <p:ph type="title"/>
+          </p:nvPr>
+        </p:nvSpPr>
+        <p:spPr/>
+        <p:txBody>
+          <a:bodyPr/>
+          <a:lstStyle/>
+          <a:p>
+            <a:r>
+              <a:rPr lang="zh-CN" altLang="en-US" b="1" dirty="0"/>
+              <a:t>对象分配规则</a:t>
+            </a:r>
+            <a:endParaRPr lang="zh-CN" altLang="en-US" dirty="0"/>
+          </a:p>
+        </p:txBody>
+      </p:sp>
+      <p:pic>
+        <p:nvPicPr>
+          <p:cNvPr id="3" name="Picture 2"/>
+          <p:cNvPicPr>
+            <a:picLocks noChangeAspect="1"/>
+          </p:cNvPicPr>
+          <p:nvPr/>
+        </p:nvPicPr>
+        <p:blipFill rotWithShape="1">
+          <a:blip r:embed="rId3"/>
+          <a:srcRect l="6645" t="28812" r="30924"/>
+          <a:stretch/>
+        </p:blipFill>
+        <p:spPr>
+          <a:xfrm>
+            <a:off x="335960" y="4796720"/>
+            <a:ext cx="8978594" cy="4421686"/>
+          </a:xfrm>
+          <a:prstGeom prst="rect">
+            <a:avLst/>
+          </a:prstGeom>
+        </p:spPr>
+      </p:pic>
+      <p:sp>
+        <p:nvSpPr>
+          <p:cNvPr id="4" name="TextBox 3"/>
+          <p:cNvSpPr txBox="1"/>
+          <p:nvPr/>
+        </p:nvSpPr>
+        <p:spPr>
+          <a:xfrm>
+            <a:off x="225501" y="2650411"/>
+            <a:ext cx="11998477" cy="1025922"/>
+          </a:xfrm>
+          <a:prstGeom prst="rect">
+            <a:avLst/>
+          </a:prstGeom>
+          <a:noFill/>
+          <a:ln w="12700" cap="flat">
+            <a:noFill/>
+            <a:miter lim="400000"/>
+          </a:ln>
+          <a:effectLst/>
+          <a:sp3d/>
+        </p:spPr>
+        <p:style>
+          <a:lnRef idx="0">
+            <a:scrgbClr r="0" g="0" b="0"/>
+          </a:lnRef>
+          <a:fillRef idx="0">
+            <a:scrgbClr r="0" g="0" b="0"/>
+          </a:fillRef>
+          <a:effectRef idx="0">
+            <a:scrgbClr r="0" g="0" b="0"/>
+          </a:effectRef>
+          <a:fontRef idx="none"/>
+        </p:style>
+        <p:txBody>
+          <a:bodyPr rot="0" spcFirstLastPara="1" vertOverflow="overflow" horzOverflow="overflow" vert="horz" wrap="none" lIns="50800" tIns="50800" rIns="50800" bIns="50800" numCol="1" spcCol="38100" rtlCol="0" anchor="ctr">
+            <a:spAutoFit/>
+          </a:bodyPr>
+          <a:lstStyle/>
+          <a:p>
+            <a:pPr algn="l"/>
+            <a:r>
+              <a:rPr lang="en-US" altLang="zh-CN" sz="2000" dirty="0"/>
+              <a:t>2.</a:t>
+            </a:r>
+            <a:r>
+              <a:rPr lang="zh-CN" altLang="en-US" sz="2000" dirty="0"/>
+              <a:t>大对象直接进入老年代</a:t>
+            </a:r>
+            <a:r>
+              <a:rPr lang="en-US" altLang="zh-CN" sz="2000" dirty="0"/>
+              <a:t>(</a:t>
+            </a:r>
+            <a:r>
+              <a:rPr lang="zh-CN" altLang="en-US" sz="2000" dirty="0"/>
+              <a:t>大对象是指需要大量连续内存空间的对象</a:t>
+            </a:r>
+            <a:r>
+              <a:rPr lang="en-US" altLang="zh-CN" sz="2000" dirty="0"/>
+              <a:t>),</a:t>
+            </a:r>
+          </a:p>
+          <a:p>
+            <a:pPr algn="l"/>
+            <a:r>
+              <a:rPr lang="zh-CN" altLang="en-US" sz="2000" dirty="0"/>
+              <a:t>这样做的目的是避免在</a:t>
+            </a:r>
+            <a:r>
+              <a:rPr lang="en-US" altLang="zh-CN" sz="2000" dirty="0"/>
+              <a:t>Eden</a:t>
+            </a:r>
+            <a:r>
+              <a:rPr lang="zh-CN" altLang="en-US" sz="2000" dirty="0"/>
+              <a:t>区和两个</a:t>
+            </a:r>
+            <a:r>
+              <a:rPr lang="en-US" altLang="zh-CN" sz="2000" dirty="0"/>
+              <a:t>Survivor</a:t>
+            </a:r>
+            <a:r>
+              <a:rPr lang="zh-CN" altLang="en-US" sz="2000" dirty="0"/>
+              <a:t>区之间发生大量的内存拷贝（新生代采用复制算法收集内存）</a:t>
+            </a:r>
+            <a:endParaRPr lang="en-US" altLang="zh-CN" sz="2000" dirty="0"/>
+          </a:p>
+          <a:p>
+            <a:pPr algn="l"/>
+            <a:endParaRPr lang="en-US" altLang="zh-CN" sz="2000" dirty="0"/>
+          </a:p>
+        </p:txBody>
+      </p:sp>
+      <p:pic>
+        <p:nvPicPr>
+          <p:cNvPr id="5" name="Picture 4"/>
+          <p:cNvPicPr>
+            <a:picLocks noChangeAspect="1"/>
+          </p:cNvPicPr>
+          <p:nvPr/>
+        </p:nvPicPr>
+        <p:blipFill>
+          <a:blip r:embed="rId4"/>
+          <a:stretch>
+            <a:fillRect/>
+          </a:stretch>
+        </p:blipFill>
+        <p:spPr>
+          <a:xfrm>
+            <a:off x="7966004" y="4115475"/>
+            <a:ext cx="4438095" cy="3619048"/>
+          </a:xfrm>
+          <a:prstGeom prst="rect">
+            <a:avLst/>
+          </a:prstGeom>
+        </p:spPr>
+      </p:pic>
+    </p:spTree>
+    <p:extLst>
+      <p:ext uri="{BB962C8B-B14F-4D97-AF65-F5344CB8AC3E}">
+        <p14:creationId xmlns:p14="http://schemas.microsoft.com/office/powerpoint/2010/main" val="2217357640"/>
+      </p:ext>
+    </p:extLst>
+  </p:cSld>
+  <p:clrMapOvr>
+    <a:masterClrMapping/>
+  </p:clrMapOvr>
+  <p:transition spd="med"/>
 </p:sld>
 </file>
 
 <file path=ppt/slides/slide2.xml><?xml version="1.0" encoding="utf-8"?>
-<p:sld xmlns:a="http://schemas.openxmlformats.org/drawingml/2006/main" xmlns:r="http://schemas.openxmlformats.org/officeDocument/2006/relationships" xmlns:p="http://schemas.openxmlformats.org/presentationml/2006/main" showMasterSp="1" showMasterPhAnim="1">
+<p:sld xmlns:a="http://schemas.openxmlformats.org/drawingml/2006/main" xmlns:r="http://schemas.openxmlformats.org/officeDocument/2006/relationships" xmlns:p="http://schemas.openxmlformats.org/presentationml/2006/main">
   <p:cSld>
     <p:spTree>
       <p:nvGrpSpPr>
@@ -3060,7 +3703,9 @@
       <p:sp>
         <p:nvSpPr>
           <p:cNvPr id="122" name="Shape 122"/>
-          <p:cNvSpPr/>
+          <p:cNvSpPr>
+            <a:spLocks noGrp="1"/>
+          </p:cNvSpPr>
           <p:nvPr>
             <p:ph type="title"/>
           </p:nvPr>
@@ -3074,7 +3719,6 @@
           <a:bodyPr/>
           <a:lstStyle/>
           <a:p>
-            <a:pPr/>
             <a:r>
               <a:t>目录</a:t>
             </a:r>
@@ -3084,7 +3728,9 @@
       <p:sp>
         <p:nvSpPr>
           <p:cNvPr id="123" name="Shape 123"/>
-          <p:cNvSpPr/>
+          <p:cNvSpPr>
+            <a:spLocks noGrp="1"/>
+          </p:cNvSpPr>
           <p:nvPr>
             <p:ph type="body" idx="1"/>
           </p:nvPr>
@@ -3098,31 +3744,26 @@
           <a:bodyPr/>
           <a:lstStyle/>
           <a:p>
-            <a:pPr/>
             <a:r>
               <a:t>JVM运行时数据区</a:t>
             </a:r>
           </a:p>
           <a:p>
-            <a:pPr/>
             <a:r>
               <a:t>JVM堆内存分配</a:t>
             </a:r>
           </a:p>
           <a:p>
-            <a:pPr/>
             <a:r>
               <a:t>JVM内存垃圾回收算法</a:t>
             </a:r>
           </a:p>
           <a:p>
-            <a:pPr/>
             <a:r>
               <a:t>JVM内存垃圾收集器</a:t>
             </a:r>
           </a:p>
           <a:p>
-            <a:pPr/>
             <a:r>
               <a:t>OOM异常和常见原因</a:t>
             </a:r>
@@ -3134,12 +3775,12 @@
   <p:clrMapOvr>
     <a:masterClrMapping/>
   </p:clrMapOvr>
-  <p:transition xmlns:p14="http://schemas.microsoft.com/office/powerpoint/2010/main" spd="med" advClick="1" p14:dur="1000"/>
+  <p:transition spd="slow"/>
 </p:sld>
 </file>
 
 <file path=ppt/slides/slide3.xml><?xml version="1.0" encoding="utf-8"?>
-<p:sld xmlns:a="http://schemas.openxmlformats.org/drawingml/2006/main" xmlns:r="http://schemas.openxmlformats.org/officeDocument/2006/relationships" xmlns:p="http://schemas.openxmlformats.org/presentationml/2006/main" showMasterSp="1" showMasterPhAnim="1">
+<p:sld xmlns:a="http://schemas.openxmlformats.org/drawingml/2006/main" xmlns:r="http://schemas.openxmlformats.org/officeDocument/2006/relationships" xmlns:p="http://schemas.openxmlformats.org/presentationml/2006/main">
   <p:cSld>
     <p:spTree>
       <p:nvGrpSpPr>
@@ -3158,7 +3799,9 @@
       <p:sp>
         <p:nvSpPr>
           <p:cNvPr id="125" name="Shape 125"/>
-          <p:cNvSpPr/>
+          <p:cNvSpPr>
+            <a:spLocks noGrp="1"/>
+          </p:cNvSpPr>
           <p:nvPr>
             <p:ph type="title"/>
           </p:nvPr>
@@ -3172,7 +3815,6 @@
           <a:bodyPr/>
           <a:lstStyle/>
           <a:p>
-            <a:pPr/>
             <a:r>
               <a:t>JVM介绍</a:t>
             </a:r>
@@ -3198,7 +3840,7 @@
           </a:ln>
           <a:extLst>
             <a:ext uri="{C572A759-6A51-4108-AA02-DFA0A04FC94B}">
-              <ma14:wrappingTextBoxFlag xmlns:ma14="http://schemas.microsoft.com/office/mac/drawingml/2011/main" val="1"/>
+              <ma14:wrappingTextBoxFlag xmlns:ma14="http://schemas.microsoft.com/office/mac/drawingml/2011/main" xmlns="" val="1"/>
             </a:ext>
           </a:extLst>
         </p:spPr>
@@ -3208,10 +3850,10 @@
           </a:bodyPr>
           <a:lstStyle/>
           <a:p>
-            <a:pPr/>
-          </a:p>
-          <a:p>
-            <a:pPr/>
+            <a:endParaRPr/>
+          </a:p>
+          <a:p>
+            <a:endParaRPr/>
           </a:p>
         </p:txBody>
       </p:sp>
@@ -3234,7 +3876,7 @@
           </a:ln>
           <a:extLst>
             <a:ext uri="{C572A759-6A51-4108-AA02-DFA0A04FC94B}">
-              <ma14:wrappingTextBoxFlag xmlns:ma14="http://schemas.microsoft.com/office/mac/drawingml/2011/main" val="1"/>
+              <ma14:wrappingTextBoxFlag xmlns:ma14="http://schemas.microsoft.com/office/mac/drawingml/2011/main" xmlns="" val="1"/>
             </a:ext>
           </a:extLst>
         </p:spPr>
@@ -3251,6 +3893,7 @@
           </a:p>
           <a:p>
             <a:pPr algn="l"/>
+            <a:endParaRPr/>
           </a:p>
           <a:p>
             <a:pPr algn="l"/>
@@ -3271,12 +3914,12 @@
   <p:clrMapOvr>
     <a:masterClrMapping/>
   </p:clrMapOvr>
-  <p:transition xmlns:p14="http://schemas.microsoft.com/office/powerpoint/2010/main" spd="med" advClick="1" p14:dur="1000"/>
+  <p:transition spd="slow"/>
 </p:sld>
 </file>
 
 <file path=ppt/slides/slide4.xml><?xml version="1.0" encoding="utf-8"?>
-<p:sld xmlns:a="http://schemas.openxmlformats.org/drawingml/2006/main" xmlns:r="http://schemas.openxmlformats.org/officeDocument/2006/relationships" xmlns:p="http://schemas.openxmlformats.org/presentationml/2006/main" showMasterSp="1" showMasterPhAnim="1">
+<p:sld xmlns:a="http://schemas.openxmlformats.org/drawingml/2006/main" xmlns:r="http://schemas.openxmlformats.org/officeDocument/2006/relationships" xmlns:p="http://schemas.openxmlformats.org/presentationml/2006/main">
   <p:cSld>
     <p:spTree>
       <p:nvGrpSpPr>
@@ -3313,7 +3956,7 @@
             <a:miter lim="400000"/>
           </a:ln>
           <a:effectLst>
-            <a:outerShdw sx="100000" sy="100000" kx="0" ky="0" algn="b" rotWithShape="0" blurRad="76200" dist="0" dir="18900000">
+            <a:outerShdw blurRad="76200" dir="18900000" rotWithShape="0">
               <a:srgbClr val="000000">
                 <a:alpha val="80000"/>
               </a:srgbClr>
@@ -3327,7 +3970,7 @@
             <a:pPr>
               <a:defRPr sz="2400">
                 <a:effectLst>
-                  <a:outerShdw sx="100000" sy="100000" kx="0" ky="0" algn="b" rotWithShape="0" blurRad="25400" dist="23998" dir="2700000">
+                  <a:outerShdw blurRad="25400" dist="23998" dir="2700000" rotWithShape="0">
                     <a:srgbClr val="000000">
                       <a:alpha val="31034"/>
                     </a:srgbClr>
@@ -3335,13 +3978,16 @@
                 </a:effectLst>
               </a:defRPr>
             </a:pPr>
+            <a:endParaRPr/>
           </a:p>
         </p:txBody>
       </p:sp>
       <p:sp>
         <p:nvSpPr>
           <p:cNvPr id="130" name="Shape 130"/>
-          <p:cNvSpPr/>
+          <p:cNvSpPr>
+            <a:spLocks noGrp="1"/>
+          </p:cNvSpPr>
           <p:nvPr>
             <p:ph type="title"/>
           </p:nvPr>
@@ -3355,7 +4001,6 @@
           <a:bodyPr/>
           <a:lstStyle/>
           <a:p>
-            <a:pPr/>
             <a:r>
               <a:t>JVM介绍</a:t>
             </a:r>
@@ -3365,7 +4010,9 @@
       <p:sp>
         <p:nvSpPr>
           <p:cNvPr id="131" name="Shape 131"/>
-          <p:cNvSpPr/>
+          <p:cNvSpPr>
+            <a:spLocks noGrp="1"/>
+          </p:cNvSpPr>
           <p:nvPr>
             <p:ph type="body" sz="half" idx="1"/>
           </p:nvPr>
@@ -3425,7 +4072,7 @@
           <a:blip r:embed="rId2">
             <a:extLst/>
           </a:blip>
-          <a:srcRect l="0" t="0" r="0" b="0"/>
+          <a:srcRect/>
           <a:stretch>
             <a:fillRect/>
           </a:stretch>
@@ -3448,12 +4095,12 @@
   <p:clrMapOvr>
     <a:masterClrMapping/>
   </p:clrMapOvr>
-  <p:transition xmlns:p14="http://schemas.microsoft.com/office/powerpoint/2010/main" spd="med" advClick="1" p14:dur="1000"/>
+  <p:transition spd="slow"/>
 </p:sld>
 </file>
 
 <file path=ppt/slides/slide5.xml><?xml version="1.0" encoding="utf-8"?>
-<p:sld xmlns:a="http://schemas.openxmlformats.org/drawingml/2006/main" xmlns:r="http://schemas.openxmlformats.org/officeDocument/2006/relationships" xmlns:p="http://schemas.openxmlformats.org/presentationml/2006/main" showMasterSp="1" showMasterPhAnim="1">
+<p:sld xmlns:a="http://schemas.openxmlformats.org/drawingml/2006/main" xmlns:r="http://schemas.openxmlformats.org/officeDocument/2006/relationships" xmlns:p="http://schemas.openxmlformats.org/presentationml/2006/main">
   <p:cSld>
     <p:spTree>
       <p:nvGrpSpPr>
@@ -3472,7 +4119,9 @@
       <p:sp>
         <p:nvSpPr>
           <p:cNvPr id="134" name="Shape 134"/>
-          <p:cNvSpPr/>
+          <p:cNvSpPr>
+            <a:spLocks noGrp="1"/>
+          </p:cNvSpPr>
           <p:nvPr>
             <p:ph type="title"/>
           </p:nvPr>
@@ -3486,7 +4135,6 @@
           <a:bodyPr/>
           <a:lstStyle/>
           <a:p>
-            <a:pPr/>
             <a:r>
               <a:t>JVM运行时数据区</a:t>
             </a:r>
@@ -3527,12 +4175,12 @@
   <p:clrMapOvr>
     <a:masterClrMapping/>
   </p:clrMapOvr>
-  <p:transition xmlns:p14="http://schemas.microsoft.com/office/powerpoint/2010/main" spd="med" advClick="1" p14:dur="1000"/>
+  <p:transition spd="slow"/>
 </p:sld>
 </file>
 
 <file path=ppt/slides/slide6.xml><?xml version="1.0" encoding="utf-8"?>
-<p:sld xmlns:a="http://schemas.openxmlformats.org/drawingml/2006/main" xmlns:r="http://schemas.openxmlformats.org/officeDocument/2006/relationships" xmlns:p="http://schemas.openxmlformats.org/presentationml/2006/main" showMasterSp="1" showMasterPhAnim="1">
+<p:sld xmlns:a="http://schemas.openxmlformats.org/drawingml/2006/main" xmlns:r="http://schemas.openxmlformats.org/officeDocument/2006/relationships" xmlns:p="http://schemas.openxmlformats.org/presentationml/2006/main">
   <p:cSld>
     <p:spTree>
       <p:nvGrpSpPr>
@@ -3551,7 +4199,9 @@
       <p:sp>
         <p:nvSpPr>
           <p:cNvPr id="137" name="Shape 137"/>
-          <p:cNvSpPr/>
+          <p:cNvSpPr>
+            <a:spLocks noGrp="1"/>
+          </p:cNvSpPr>
           <p:nvPr>
             <p:ph type="title"/>
           </p:nvPr>
@@ -3565,10 +4215,11 @@
           <a:bodyPr/>
           <a:lstStyle/>
           <a:p>
-            <a:pPr/>
-            <a:r>
+            <a:r>
+              <a:rPr dirty="0" err="1"/>
               <a:t>JVM运行时数据区</a:t>
             </a:r>
+            <a:endParaRPr dirty="0"/>
           </a:p>
         </p:txBody>
       </p:sp>
@@ -3591,7 +4242,7 @@
           </a:ln>
           <a:extLst>
             <a:ext uri="{C572A759-6A51-4108-AA02-DFA0A04FC94B}">
-              <ma14:wrappingTextBoxFlag xmlns:ma14="http://schemas.microsoft.com/office/mac/drawingml/2011/main" val="1"/>
+              <ma14:wrappingTextBoxFlag xmlns:ma14="http://schemas.microsoft.com/office/mac/drawingml/2011/main" xmlns="" val="1"/>
             </a:ext>
           </a:extLst>
         </p:spPr>
@@ -3610,7 +4261,7 @@
             </a:r>
           </a:p>
           <a:p>
-            <a:pPr lvl="1" marL="914400" indent="-457200" algn="l">
+            <a:pPr marL="914400" lvl="1" indent="-457200" algn="l">
               <a:buSzPct val="75000"/>
               <a:buChar char="•"/>
             </a:pPr>
@@ -3619,7 +4270,7 @@
             </a:r>
           </a:p>
           <a:p>
-            <a:pPr lvl="1" marL="914400" indent="-457200" algn="l">
+            <a:pPr marL="914400" lvl="1" indent="-457200" algn="l">
               <a:buSzPct val="75000"/>
               <a:buChar char="•"/>
             </a:pPr>
@@ -3628,7 +4279,7 @@
             </a:r>
           </a:p>
           <a:p>
-            <a:pPr lvl="1" marL="914400" indent="-457200" algn="l">
+            <a:pPr marL="914400" lvl="1" indent="-457200" algn="l">
               <a:buSzPct val="75000"/>
               <a:buChar char="•"/>
             </a:pPr>
@@ -3638,6 +4289,7 @@
           </a:p>
           <a:p>
             <a:pPr algn="l"/>
+            <a:endParaRPr/>
           </a:p>
           <a:p>
             <a:pPr marL="457200" indent="-457200" algn="l">
@@ -3649,7 +4301,7 @@
             </a:r>
           </a:p>
           <a:p>
-            <a:pPr lvl="1" marL="914400" indent="-457200" algn="l">
+            <a:pPr marL="914400" lvl="1" indent="-457200" algn="l">
               <a:buSzPct val="75000"/>
               <a:buChar char="•"/>
             </a:pPr>
@@ -3664,14 +4316,9 @@
               </a:rPr>
               <a:t>JVM内存自动回收</a:t>
             </a:r>
-            <a:endParaRPr>
-              <a:solidFill>
-                <a:srgbClr val="FF2600"/>
-              </a:solidFill>
-            </a:endParaRPr>
-          </a:p>
-          <a:p>
-            <a:pPr lvl="1" marL="914400" indent="-457200" algn="l">
+          </a:p>
+          <a:p>
+            <a:pPr marL="914400" lvl="1" indent="-457200" algn="l">
               <a:buSzPct val="75000"/>
               <a:buChar char="•"/>
             </a:pPr>
@@ -3681,12 +4328,15 @@
           </a:p>
           <a:p>
             <a:pPr algn="l"/>
+            <a:endParaRPr/>
           </a:p>
           <a:p>
             <a:pPr algn="l"/>
+            <a:endParaRPr/>
           </a:p>
           <a:p>
             <a:pPr algn="l"/>
+            <a:endParaRPr/>
           </a:p>
         </p:txBody>
       </p:sp>
@@ -3695,12 +4345,360 @@
   <p:clrMapOvr>
     <a:masterClrMapping/>
   </p:clrMapOvr>
-  <p:transition xmlns:p14="http://schemas.microsoft.com/office/powerpoint/2010/main" spd="med" advClick="1" p14:dur="1000"/>
+  <p:transition spd="slow"/>
+</p:sld>
+</file>
+
+<file path=ppt/slides/slide7.xml><?xml version="1.0" encoding="utf-8"?>
+<p:sld xmlns:a="http://schemas.openxmlformats.org/drawingml/2006/main" xmlns:r="http://schemas.openxmlformats.org/officeDocument/2006/relationships" xmlns:p="http://schemas.openxmlformats.org/presentationml/2006/main">
+  <p:cSld>
+    <p:spTree>
+      <p:nvGrpSpPr>
+        <p:cNvPr id="1" name=""/>
+        <p:cNvGrpSpPr/>
+        <p:nvPr/>
+      </p:nvGrpSpPr>
+      <p:grpSpPr>
+        <a:xfrm>
+          <a:off x="0" y="0"/>
+          <a:ext cx="0" cy="0"/>
+          <a:chOff x="0" y="0"/>
+          <a:chExt cx="0" cy="0"/>
+        </a:xfrm>
+      </p:grpSpPr>
+      <p:sp>
+        <p:nvSpPr>
+          <p:cNvPr id="2" name="Title 1"/>
+          <p:cNvSpPr>
+            <a:spLocks noGrp="1"/>
+          </p:cNvSpPr>
+          <p:nvPr>
+            <p:ph type="title"/>
+          </p:nvPr>
+        </p:nvSpPr>
+        <p:spPr/>
+        <p:txBody>
+          <a:bodyPr/>
+          <a:lstStyle/>
+          <a:p>
+            <a:r>
+              <a:rPr lang="en-US" altLang="zh-CN" dirty="0" err="1"/>
+              <a:t>jps</a:t>
+            </a:r>
+            <a:endParaRPr lang="zh-CN" altLang="en-US" dirty="0"/>
+          </a:p>
+        </p:txBody>
+      </p:sp>
+      <p:pic>
+        <p:nvPicPr>
+          <p:cNvPr id="5" name="Picture 4"/>
+          <p:cNvPicPr>
+            <a:picLocks noChangeAspect="1"/>
+          </p:cNvPicPr>
+          <p:nvPr/>
+        </p:nvPicPr>
+        <p:blipFill>
+          <a:blip r:embed="rId2"/>
+          <a:stretch>
+            <a:fillRect/>
+          </a:stretch>
+        </p:blipFill>
+        <p:spPr>
+          <a:xfrm>
+            <a:off x="216615" y="2527300"/>
+            <a:ext cx="12788185" cy="2591816"/>
+          </a:xfrm>
+          <a:prstGeom prst="rect">
+            <a:avLst/>
+          </a:prstGeom>
+        </p:spPr>
+      </p:pic>
+    </p:spTree>
+    <p:extLst>
+      <p:ext uri="{BB962C8B-B14F-4D97-AF65-F5344CB8AC3E}">
+        <p14:creationId xmlns:p14="http://schemas.microsoft.com/office/powerpoint/2010/main" val="2123919670"/>
+      </p:ext>
+    </p:extLst>
+  </p:cSld>
+  <p:clrMapOvr>
+    <a:masterClrMapping/>
+  </p:clrMapOvr>
+  <p:transition spd="med"/>
+</p:sld>
+</file>
+
+<file path=ppt/slides/slide8.xml><?xml version="1.0" encoding="utf-8"?>
+<p:sld xmlns:a="http://schemas.openxmlformats.org/drawingml/2006/main" xmlns:r="http://schemas.openxmlformats.org/officeDocument/2006/relationships" xmlns:p="http://schemas.openxmlformats.org/presentationml/2006/main">
+  <p:cSld>
+    <p:spTree>
+      <p:nvGrpSpPr>
+        <p:cNvPr id="1" name=""/>
+        <p:cNvGrpSpPr/>
+        <p:nvPr/>
+      </p:nvGrpSpPr>
+      <p:grpSpPr>
+        <a:xfrm>
+          <a:off x="0" y="0"/>
+          <a:ext cx="0" cy="0"/>
+          <a:chOff x="0" y="0"/>
+          <a:chExt cx="0" cy="0"/>
+        </a:xfrm>
+      </p:grpSpPr>
+      <p:sp>
+        <p:nvSpPr>
+          <p:cNvPr id="2" name="Title 1"/>
+          <p:cNvSpPr>
+            <a:spLocks noGrp="1"/>
+          </p:cNvSpPr>
+          <p:nvPr>
+            <p:ph type="title"/>
+          </p:nvPr>
+        </p:nvSpPr>
+        <p:spPr/>
+        <p:txBody>
+          <a:bodyPr>
+            <a:normAutofit/>
+          </a:bodyPr>
+          <a:lstStyle/>
+          <a:p>
+            <a:r>
+              <a:rPr lang="zh-CN" altLang="en-US" b="1" dirty="0"/>
+              <a:t>对象分配规则</a:t>
+            </a:r>
+            <a:endParaRPr lang="zh-CN" altLang="en-US" dirty="0"/>
+          </a:p>
+        </p:txBody>
+      </p:sp>
+      <p:pic>
+        <p:nvPicPr>
+          <p:cNvPr id="3" name="Picture 2"/>
+          <p:cNvPicPr>
+            <a:picLocks noChangeAspect="1"/>
+          </p:cNvPicPr>
+          <p:nvPr/>
+        </p:nvPicPr>
+        <p:blipFill>
+          <a:blip r:embed="rId2"/>
+          <a:stretch>
+            <a:fillRect/>
+          </a:stretch>
+        </p:blipFill>
+        <p:spPr>
+          <a:xfrm>
+            <a:off x="0" y="4839590"/>
+            <a:ext cx="13004800" cy="4358318"/>
+          </a:xfrm>
+          <a:prstGeom prst="rect">
+            <a:avLst/>
+          </a:prstGeom>
+        </p:spPr>
+      </p:pic>
+      <p:sp>
+        <p:nvSpPr>
+          <p:cNvPr id="4" name="TextBox 3"/>
+          <p:cNvSpPr txBox="1"/>
+          <p:nvPr/>
+        </p:nvSpPr>
+        <p:spPr>
+          <a:xfrm>
+            <a:off x="122908" y="2527300"/>
+            <a:ext cx="12203662" cy="1272143"/>
+          </a:xfrm>
+          <a:prstGeom prst="rect">
+            <a:avLst/>
+          </a:prstGeom>
+          <a:noFill/>
+          <a:ln w="12700" cap="flat">
+            <a:noFill/>
+            <a:miter lim="400000"/>
+          </a:ln>
+          <a:effectLst/>
+          <a:sp3d/>
+        </p:spPr>
+        <p:style>
+          <a:lnRef idx="0">
+            <a:scrgbClr r="0" g="0" b="0"/>
+          </a:lnRef>
+          <a:fillRef idx="0">
+            <a:scrgbClr r="0" g="0" b="0"/>
+          </a:fillRef>
+          <a:effectRef idx="0">
+            <a:scrgbClr r="0" g="0" b="0"/>
+          </a:effectRef>
+          <a:fontRef idx="none"/>
+        </p:style>
+        <p:txBody>
+          <a:bodyPr rot="0" spcFirstLastPara="1" vertOverflow="overflow" horzOverflow="overflow" vert="horz" wrap="none" lIns="50800" tIns="50800" rIns="50800" bIns="50800" numCol="1" spcCol="38100" rtlCol="0" anchor="ctr">
+            <a:spAutoFit/>
+          </a:bodyPr>
+          <a:lstStyle/>
+          <a:p>
+            <a:r>
+              <a:rPr lang="en-US" altLang="zh-CN" dirty="0"/>
+              <a:t>1.</a:t>
+            </a:r>
+            <a:r>
+              <a:rPr lang="zh-CN" altLang="en-US" dirty="0"/>
+              <a:t>对象优先分配在</a:t>
+            </a:r>
+            <a:r>
+              <a:rPr lang="en-US" altLang="zh-CN" dirty="0"/>
+              <a:t>Eden</a:t>
+            </a:r>
+            <a:r>
+              <a:rPr lang="zh-CN" altLang="en-US" dirty="0"/>
+              <a:t>区，如果</a:t>
+            </a:r>
+            <a:r>
+              <a:rPr lang="en-US" altLang="zh-CN" dirty="0"/>
+              <a:t>Eden</a:t>
+            </a:r>
+            <a:r>
+              <a:rPr lang="zh-CN" altLang="en-US" dirty="0"/>
+              <a:t>区没有足够的空间时</a:t>
+            </a:r>
+            <a:endParaRPr lang="en-US" altLang="zh-CN" dirty="0"/>
+          </a:p>
+          <a:p>
+            <a:r>
+              <a:rPr lang="zh-CN" altLang="en-US" dirty="0"/>
+              <a:t>，虚拟机执行一次</a:t>
+            </a:r>
+            <a:r>
+              <a:rPr lang="en-US" altLang="zh-CN" dirty="0"/>
+              <a:t>Minor GC</a:t>
+            </a:r>
+            <a:endParaRPr kumimoji="0" lang="zh-CN" altLang="en-US" sz="3800" b="0" i="0" u="none" strike="noStrike" cap="none" spc="0" normalizeH="0" baseline="0" dirty="0">
+              <a:ln>
+                <a:noFill/>
+              </a:ln>
+              <a:solidFill>
+                <a:srgbClr val="FFFFFF"/>
+              </a:solidFill>
+              <a:effectLst/>
+              <a:uFillTx/>
+              <a:latin typeface="+mn-lt"/>
+              <a:ea typeface="+mn-ea"/>
+              <a:cs typeface="+mn-cs"/>
+              <a:sym typeface="Helvetica Light"/>
+            </a:endParaRPr>
+          </a:p>
+        </p:txBody>
+      </p:sp>
+    </p:spTree>
+    <p:extLst>
+      <p:ext uri="{BB962C8B-B14F-4D97-AF65-F5344CB8AC3E}">
+        <p14:creationId xmlns:p14="http://schemas.microsoft.com/office/powerpoint/2010/main" val="5440385"/>
+      </p:ext>
+    </p:extLst>
+  </p:cSld>
+  <p:clrMapOvr>
+    <a:masterClrMapping/>
+  </p:clrMapOvr>
+  <p:transition spd="med"/>
+</p:sld>
+</file>
+
+<file path=ppt/slides/slide9.xml><?xml version="1.0" encoding="utf-8"?>
+<p:sld xmlns:a="http://schemas.openxmlformats.org/drawingml/2006/main" xmlns:r="http://schemas.openxmlformats.org/officeDocument/2006/relationships" xmlns:p="http://schemas.openxmlformats.org/presentationml/2006/main">
+  <p:cSld>
+    <p:spTree>
+      <p:nvGrpSpPr>
+        <p:cNvPr id="1" name=""/>
+        <p:cNvGrpSpPr/>
+        <p:nvPr/>
+      </p:nvGrpSpPr>
+      <p:grpSpPr>
+        <a:xfrm>
+          <a:off x="0" y="0"/>
+          <a:ext cx="0" cy="0"/>
+          <a:chOff x="0" y="0"/>
+          <a:chExt cx="0" cy="0"/>
+        </a:xfrm>
+      </p:grpSpPr>
+      <p:sp>
+        <p:nvSpPr>
+          <p:cNvPr id="2" name="Title 1"/>
+          <p:cNvSpPr>
+            <a:spLocks noGrp="1"/>
+          </p:cNvSpPr>
+          <p:nvPr>
+            <p:ph type="title"/>
+          </p:nvPr>
+        </p:nvSpPr>
+        <p:spPr/>
+        <p:txBody>
+          <a:bodyPr/>
+          <a:lstStyle/>
+          <a:p>
+            <a:endParaRPr lang="zh-CN" altLang="en-US" dirty="0"/>
+          </a:p>
+        </p:txBody>
+      </p:sp>
+      <p:pic>
+        <p:nvPicPr>
+          <p:cNvPr id="3" name="Picture 2"/>
+          <p:cNvPicPr>
+            <a:picLocks noChangeAspect="1"/>
+          </p:cNvPicPr>
+          <p:nvPr/>
+        </p:nvPicPr>
+        <p:blipFill>
+          <a:blip r:embed="rId2"/>
+          <a:stretch>
+            <a:fillRect/>
+          </a:stretch>
+        </p:blipFill>
+        <p:spPr>
+          <a:xfrm>
+            <a:off x="125261" y="1813330"/>
+            <a:ext cx="8682014" cy="7677224"/>
+          </a:xfrm>
+          <a:prstGeom prst="rect">
+            <a:avLst/>
+          </a:prstGeom>
+        </p:spPr>
+      </p:pic>
+      <p:pic>
+        <p:nvPicPr>
+          <p:cNvPr id="4" name="Picture 3"/>
+          <p:cNvPicPr>
+            <a:picLocks noChangeAspect="1"/>
+          </p:cNvPicPr>
+          <p:nvPr/>
+        </p:nvPicPr>
+        <p:blipFill>
+          <a:blip r:embed="rId3"/>
+          <a:stretch>
+            <a:fillRect/>
+          </a:stretch>
+        </p:blipFill>
+        <p:spPr>
+          <a:xfrm>
+            <a:off x="6953371" y="2189879"/>
+            <a:ext cx="5761905" cy="3819048"/>
+          </a:xfrm>
+          <a:prstGeom prst="rect">
+            <a:avLst/>
+          </a:prstGeom>
+        </p:spPr>
+      </p:pic>
+    </p:spTree>
+    <p:extLst>
+      <p:ext uri="{BB962C8B-B14F-4D97-AF65-F5344CB8AC3E}">
+        <p14:creationId xmlns:p14="http://schemas.microsoft.com/office/powerpoint/2010/main" val="3298505446"/>
+      </p:ext>
+    </p:extLst>
+  </p:cSld>
+  <p:clrMapOvr>
+    <a:masterClrMapping/>
+  </p:clrMapOvr>
+  <p:transition spd="med"/>
 </p:sld>
 </file>
 
 <file path=ppt/theme/theme1.xml><?xml version="1.0" encoding="utf-8"?>
-<a:theme xmlns:a="http://schemas.openxmlformats.org/drawingml/2006/main" xmlns:r="http://schemas.openxmlformats.org/officeDocument/2006/relationships" name="Gradient">
+<a:theme xmlns:a="http://schemas.openxmlformats.org/drawingml/2006/main" name="Gradient">
   <a:themeElements>
     <a:clrScheme name="Gradient">
       <a:dk1>
@@ -3826,7 +4824,7 @@
       <a:effectStyleLst>
         <a:effectStyle>
           <a:effectLst>
-            <a:outerShdw sx="100000" sy="100000" kx="0" ky="0" algn="b" rotWithShape="0" blurRad="76200" dist="0" dir="18900000">
+            <a:outerShdw blurRad="76200" dir="18900000" rotWithShape="0">
               <a:srgbClr val="000000">
                 <a:alpha val="80000"/>
               </a:srgbClr>
@@ -3835,7 +4833,7 @@
         </a:effectStyle>
         <a:effectStyle>
           <a:effectLst>
-            <a:outerShdw sx="100000" sy="100000" kx="0" ky="0" algn="b" rotWithShape="0" blurRad="76200" dist="0" dir="18900000">
+            <a:outerShdw blurRad="76200" dir="18900000" rotWithShape="0">
               <a:srgbClr val="000000">
                 <a:alpha val="80000"/>
               </a:srgbClr>
@@ -3844,7 +4842,7 @@
         </a:effectStyle>
         <a:effectStyle>
           <a:effectLst>
-            <a:outerShdw sx="100000" sy="100000" kx="0" ky="0" algn="b" rotWithShape="0" blurRad="76200" dist="0" dir="18900000">
+            <a:outerShdw blurRad="76200" dir="18900000" rotWithShape="0">
               <a:srgbClr val="000000">
                 <a:alpha val="80000"/>
               </a:srgbClr>
@@ -3927,7 +4925,7 @@
           <a:miter lim="400000"/>
         </a:ln>
         <a:effectLst>
-          <a:outerShdw sx="100000" sy="100000" kx="0" ky="0" algn="b" rotWithShape="0" blurRad="76200" dist="0" dir="18900000">
+          <a:outerShdw blurRad="76200" dir="18900000" rotWithShape="0">
             <a:srgbClr val="000000">
               <a:alpha val="80000"/>
             </a:srgbClr>
@@ -3935,7 +4933,7 @@
         </a:effectLst>
         <a:sp3d/>
       </a:spPr>
-      <a:bodyPr rot="0" spcFirstLastPara="1" vertOverflow="overflow" horzOverflow="overflow" vert="horz" wrap="square" lIns="50800" tIns="50800" rIns="50800" bIns="50800" numCol="1" spcCol="38100" rtlCol="0" anchor="ctr" upright="0">
+      <a:bodyPr rot="0" spcFirstLastPara="1" vertOverflow="overflow" horzOverflow="overflow" vert="horz" wrap="square" lIns="50800" tIns="50800" rIns="50800" bIns="50800" numCol="1" spcCol="38100" rtlCol="0" anchor="ctr">
         <a:spAutoFit/>
       </a:bodyPr>
       <a:lstStyle>
@@ -3954,7 +4952,7 @@
           <a:buFontTx/>
           <a:buNone/>
           <a:tabLst/>
-          <a:defRPr b="0" baseline="0" cap="none" i="0" spc="0" strike="noStrike" sz="2400" u="none" kumimoji="0" normalizeH="0">
+          <a:defRPr kumimoji="0" sz="2400" b="0" i="0" u="none" strike="noStrike" cap="none" spc="0" normalizeH="0" baseline="0">
             <a:ln>
               <a:noFill/>
             </a:ln>
@@ -3962,7 +4960,7 @@
               <a:srgbClr val="FFFFFF"/>
             </a:solidFill>
             <a:effectLst>
-              <a:outerShdw sx="100000" sy="100000" kx="0" ky="0" algn="b" rotWithShape="0" blurRad="25400" dist="23998" dir="2700000">
+              <a:outerShdw blurRad="25400" dist="23998" dir="2700000" rotWithShape="0">
                 <a:srgbClr val="000000">
                   <a:alpha val="31034"/>
                 </a:srgbClr>
@@ -3990,7 +4988,7 @@
           <a:buFontTx/>
           <a:buNone/>
           <a:tabLst/>
-          <a:defRPr b="0" baseline="0" cap="none" i="0" spc="0" strike="noStrike" sz="1800" u="none" kumimoji="0" normalizeH="0">
+          <a:defRPr kumimoji="0" sz="1800" b="0" i="0" u="none" strike="noStrike" cap="none" spc="0" normalizeH="0" baseline="0">
             <a:ln>
               <a:noFill/>
             </a:ln>
@@ -4016,7 +5014,7 @@
           <a:buFontTx/>
           <a:buNone/>
           <a:tabLst/>
-          <a:defRPr b="0" baseline="0" cap="none" i="0" spc="0" strike="noStrike" sz="1800" u="none" kumimoji="0" normalizeH="0">
+          <a:defRPr kumimoji="0" sz="1800" b="0" i="0" u="none" strike="noStrike" cap="none" spc="0" normalizeH="0" baseline="0">
             <a:ln>
               <a:noFill/>
             </a:ln>
@@ -4042,7 +5040,7 @@
           <a:buFontTx/>
           <a:buNone/>
           <a:tabLst/>
-          <a:defRPr b="0" baseline="0" cap="none" i="0" spc="0" strike="noStrike" sz="1800" u="none" kumimoji="0" normalizeH="0">
+          <a:defRPr kumimoji="0" sz="1800" b="0" i="0" u="none" strike="noStrike" cap="none" spc="0" normalizeH="0" baseline="0">
             <a:ln>
               <a:noFill/>
             </a:ln>
@@ -4068,7 +5066,7 @@
           <a:buFontTx/>
           <a:buNone/>
           <a:tabLst/>
-          <a:defRPr b="0" baseline="0" cap="none" i="0" spc="0" strike="noStrike" sz="1800" u="none" kumimoji="0" normalizeH="0">
+          <a:defRPr kumimoji="0" sz="1800" b="0" i="0" u="none" strike="noStrike" cap="none" spc="0" normalizeH="0" baseline="0">
             <a:ln>
               <a:noFill/>
             </a:ln>
@@ -4094,7 +5092,7 @@
           <a:buFontTx/>
           <a:buNone/>
           <a:tabLst/>
-          <a:defRPr b="0" baseline="0" cap="none" i="0" spc="0" strike="noStrike" sz="1800" u="none" kumimoji="0" normalizeH="0">
+          <a:defRPr kumimoji="0" sz="1800" b="0" i="0" u="none" strike="noStrike" cap="none" spc="0" normalizeH="0" baseline="0">
             <a:ln>
               <a:noFill/>
             </a:ln>
@@ -4120,7 +5118,7 @@
           <a:buFontTx/>
           <a:buNone/>
           <a:tabLst/>
-          <a:defRPr b="0" baseline="0" cap="none" i="0" spc="0" strike="noStrike" sz="1800" u="none" kumimoji="0" normalizeH="0">
+          <a:defRPr kumimoji="0" sz="1800" b="0" i="0" u="none" strike="noStrike" cap="none" spc="0" normalizeH="0" baseline="0">
             <a:ln>
               <a:noFill/>
             </a:ln>
@@ -4146,7 +5144,7 @@
           <a:buFontTx/>
           <a:buNone/>
           <a:tabLst/>
-          <a:defRPr b="0" baseline="0" cap="none" i="0" spc="0" strike="noStrike" sz="1800" u="none" kumimoji="0" normalizeH="0">
+          <a:defRPr kumimoji="0" sz="1800" b="0" i="0" u="none" strike="noStrike" cap="none" spc="0" normalizeH="0" baseline="0">
             <a:ln>
               <a:noFill/>
             </a:ln>
@@ -4172,7 +5170,7 @@
           <a:buFontTx/>
           <a:buNone/>
           <a:tabLst/>
-          <a:defRPr b="0" baseline="0" cap="none" i="0" spc="0" strike="noStrike" sz="1800" u="none" kumimoji="0" normalizeH="0">
+          <a:defRPr kumimoji="0" sz="1800" b="0" i="0" u="none" strike="noStrike" cap="none" spc="0" normalizeH="0" baseline="0">
             <a:ln>
               <a:noFill/>
             </a:ln>
@@ -4198,7 +5196,7 @@
           <a:buFontTx/>
           <a:buNone/>
           <a:tabLst/>
-          <a:defRPr b="0" baseline="0" cap="none" i="0" spc="0" strike="noStrike" sz="1800" u="none" kumimoji="0" normalizeH="0">
+          <a:defRPr kumimoji="0" sz="1800" b="0" i="0" u="none" strike="noStrike" cap="none" spc="0" normalizeH="0" baseline="0">
             <a:ln>
               <a:noFill/>
             </a:ln>
@@ -4211,9 +5209,15 @@
         </a:lvl9pPr>
       </a:lstStyle>
       <a:style>
-        <a:lnRef idx="0"/>
-        <a:fillRef idx="0"/>
-        <a:effectRef idx="0"/>
+        <a:lnRef idx="0">
+          <a:scrgbClr r="0" g="0" b="0"/>
+        </a:lnRef>
+        <a:fillRef idx="0">
+          <a:scrgbClr r="0" g="0" b="0"/>
+        </a:fillRef>
+        <a:effectRef idx="0">
+          <a:scrgbClr r="0" g="0" b="0"/>
+        </a:effectRef>
         <a:fontRef idx="none"/>
       </a:style>
     </a:spDef>
@@ -4230,7 +5234,7 @@
         <a:effectLst/>
         <a:sp3d/>
       </a:spPr>
-      <a:bodyPr rot="0" spcFirstLastPara="1" vertOverflow="overflow" horzOverflow="overflow" vert="horz" wrap="square" lIns="91439" tIns="45719" rIns="91439" bIns="45719" numCol="1" spcCol="38100" rtlCol="0" anchor="t" upright="0">
+      <a:bodyPr rot="0" spcFirstLastPara="1" vertOverflow="overflow" horzOverflow="overflow" vert="horz" wrap="square" lIns="91439" tIns="45719" rIns="91439" bIns="45719" numCol="1" spcCol="38100" rtlCol="0" anchor="t">
         <a:noAutofit/>
       </a:bodyPr>
       <a:lstStyle>
@@ -4249,7 +5253,7 @@
           <a:buFontTx/>
           <a:buNone/>
           <a:tabLst/>
-          <a:defRPr b="0" baseline="0" cap="none" i="0" spc="0" strike="noStrike" sz="1800" u="none" kumimoji="0" normalizeH="0">
+          <a:defRPr kumimoji="0" sz="1800" b="0" i="0" u="none" strike="noStrike" cap="none" spc="0" normalizeH="0" baseline="0">
             <a:ln>
               <a:noFill/>
             </a:ln>
@@ -4275,7 +5279,7 @@
           <a:buFontTx/>
           <a:buNone/>
           <a:tabLst/>
-          <a:defRPr b="0" baseline="0" cap="none" i="0" spc="0" strike="noStrike" sz="1800" u="none" kumimoji="0" normalizeH="0">
+          <a:defRPr kumimoji="0" sz="1800" b="0" i="0" u="none" strike="noStrike" cap="none" spc="0" normalizeH="0" baseline="0">
             <a:ln>
               <a:noFill/>
             </a:ln>
@@ -4301,7 +5305,7 @@
           <a:buFontTx/>
           <a:buNone/>
           <a:tabLst/>
-          <a:defRPr b="0" baseline="0" cap="none" i="0" spc="0" strike="noStrike" sz="1800" u="none" kumimoji="0" normalizeH="0">
+          <a:defRPr kumimoji="0" sz="1800" b="0" i="0" u="none" strike="noStrike" cap="none" spc="0" normalizeH="0" baseline="0">
             <a:ln>
               <a:noFill/>
             </a:ln>
@@ -4327,7 +5331,7 @@
           <a:buFontTx/>
           <a:buNone/>
           <a:tabLst/>
-          <a:defRPr b="0" baseline="0" cap="none" i="0" spc="0" strike="noStrike" sz="1800" u="none" kumimoji="0" normalizeH="0">
+          <a:defRPr kumimoji="0" sz="1800" b="0" i="0" u="none" strike="noStrike" cap="none" spc="0" normalizeH="0" baseline="0">
             <a:ln>
               <a:noFill/>
             </a:ln>
@@ -4353,7 +5357,7 @@
           <a:buFontTx/>
           <a:buNone/>
           <a:tabLst/>
-          <a:defRPr b="0" baseline="0" cap="none" i="0" spc="0" strike="noStrike" sz="1800" u="none" kumimoji="0" normalizeH="0">
+          <a:defRPr kumimoji="0" sz="1800" b="0" i="0" u="none" strike="noStrike" cap="none" spc="0" normalizeH="0" baseline="0">
             <a:ln>
               <a:noFill/>
             </a:ln>
@@ -4379,7 +5383,7 @@
           <a:buFontTx/>
           <a:buNone/>
           <a:tabLst/>
-          <a:defRPr b="0" baseline="0" cap="none" i="0" spc="0" strike="noStrike" sz="1800" u="none" kumimoji="0" normalizeH="0">
+          <a:defRPr kumimoji="0" sz="1800" b="0" i="0" u="none" strike="noStrike" cap="none" spc="0" normalizeH="0" baseline="0">
             <a:ln>
               <a:noFill/>
             </a:ln>
@@ -4405,7 +5409,7 @@
           <a:buFontTx/>
           <a:buNone/>
           <a:tabLst/>
-          <a:defRPr b="0" baseline="0" cap="none" i="0" spc="0" strike="noStrike" sz="1800" u="none" kumimoji="0" normalizeH="0">
+          <a:defRPr kumimoji="0" sz="1800" b="0" i="0" u="none" strike="noStrike" cap="none" spc="0" normalizeH="0" baseline="0">
             <a:ln>
               <a:noFill/>
             </a:ln>
@@ -4431,7 +5435,7 @@
           <a:buFontTx/>
           <a:buNone/>
           <a:tabLst/>
-          <a:defRPr b="0" baseline="0" cap="none" i="0" spc="0" strike="noStrike" sz="1800" u="none" kumimoji="0" normalizeH="0">
+          <a:defRPr kumimoji="0" sz="1800" b="0" i="0" u="none" strike="noStrike" cap="none" spc="0" normalizeH="0" baseline="0">
             <a:ln>
               <a:noFill/>
             </a:ln>
@@ -4457,7 +5461,7 @@
           <a:buFontTx/>
           <a:buNone/>
           <a:tabLst/>
-          <a:defRPr b="0" baseline="0" cap="none" i="0" spc="0" strike="noStrike" sz="1800" u="none" kumimoji="0" normalizeH="0">
+          <a:defRPr kumimoji="0" sz="1800" b="0" i="0" u="none" strike="noStrike" cap="none" spc="0" normalizeH="0" baseline="0">
             <a:ln>
               <a:noFill/>
             </a:ln>
@@ -4483,7 +5487,7 @@
           <a:buFontTx/>
           <a:buNone/>
           <a:tabLst/>
-          <a:defRPr b="0" baseline="0" cap="none" i="0" spc="0" strike="noStrike" sz="1800" u="none" kumimoji="0" normalizeH="0">
+          <a:defRPr kumimoji="0" sz="1800" b="0" i="0" u="none" strike="noStrike" cap="none" spc="0" normalizeH="0" baseline="0">
             <a:ln>
               <a:noFill/>
             </a:ln>
@@ -4496,9 +5500,15 @@
         </a:lvl9pPr>
       </a:lstStyle>
       <a:style>
-        <a:lnRef idx="0"/>
-        <a:fillRef idx="0"/>
-        <a:effectRef idx="0"/>
+        <a:lnRef idx="0">
+          <a:scrgbClr r="0" g="0" b="0"/>
+        </a:lnRef>
+        <a:fillRef idx="0">
+          <a:scrgbClr r="0" g="0" b="0"/>
+        </a:fillRef>
+        <a:effectRef idx="0">
+          <a:scrgbClr r="0" g="0" b="0"/>
+        </a:effectRef>
         <a:fontRef idx="none"/>
       </a:style>
     </a:lnDef>
@@ -4512,7 +5522,7 @@
         <a:effectLst/>
         <a:sp3d/>
       </a:spPr>
-      <a:bodyPr rot="0" spcFirstLastPara="1" vertOverflow="overflow" horzOverflow="overflow" vert="horz" wrap="square" lIns="50800" tIns="50800" rIns="50800" bIns="50800" numCol="1" spcCol="38100" rtlCol="0" anchor="ctr" upright="0">
+      <a:bodyPr rot="0" spcFirstLastPara="1" vertOverflow="overflow" horzOverflow="overflow" vert="horz" wrap="square" lIns="50800" tIns="50800" rIns="50800" bIns="50800" numCol="1" spcCol="38100" rtlCol="0" anchor="ctr">
         <a:spAutoFit/>
       </a:bodyPr>
       <a:lstStyle>
@@ -4531,7 +5541,7 @@
           <a:buFontTx/>
           <a:buNone/>
           <a:tabLst/>
-          <a:defRPr b="0" baseline="0" cap="none" i="0" spc="0" strike="noStrike" sz="3800" u="none" kumimoji="0" normalizeH="0">
+          <a:defRPr kumimoji="0" sz="3800" b="0" i="0" u="none" strike="noStrike" cap="none" spc="0" normalizeH="0" baseline="0">
             <a:ln>
               <a:noFill/>
             </a:ln>
@@ -4561,7 +5571,7 @@
           <a:buFontTx/>
           <a:buNone/>
           <a:tabLst/>
-          <a:defRPr b="0" baseline="0" cap="none" i="0" spc="0" strike="noStrike" sz="1800" u="none" kumimoji="0" normalizeH="0">
+          <a:defRPr kumimoji="0" sz="1800" b="0" i="0" u="none" strike="noStrike" cap="none" spc="0" normalizeH="0" baseline="0">
             <a:ln>
               <a:noFill/>
             </a:ln>
@@ -4587,7 +5597,7 @@
           <a:buFontTx/>
           <a:buNone/>
           <a:tabLst/>
-          <a:defRPr b="0" baseline="0" cap="none" i="0" spc="0" strike="noStrike" sz="1800" u="none" kumimoji="0" normalizeH="0">
+          <a:defRPr kumimoji="0" sz="1800" b="0" i="0" u="none" strike="noStrike" cap="none" spc="0" normalizeH="0" baseline="0">
             <a:ln>
               <a:noFill/>
             </a:ln>
@@ -4613,7 +5623,7 @@
           <a:buFontTx/>
           <a:buNone/>
           <a:tabLst/>
-          <a:defRPr b="0" baseline="0" cap="none" i="0" spc="0" strike="noStrike" sz="1800" u="none" kumimoji="0" normalizeH="0">
+          <a:defRPr kumimoji="0" sz="1800" b="0" i="0" u="none" strike="noStrike" cap="none" spc="0" normalizeH="0" baseline="0">
             <a:ln>
               <a:noFill/>
             </a:ln>
@@ -4639,7 +5649,7 @@
           <a:buFontTx/>
           <a:buNone/>
           <a:tabLst/>
-          <a:defRPr b="0" baseline="0" cap="none" i="0" spc="0" strike="noStrike" sz="1800" u="none" kumimoji="0" normalizeH="0">
+          <a:defRPr kumimoji="0" sz="1800" b="0" i="0" u="none" strike="noStrike" cap="none" spc="0" normalizeH="0" baseline="0">
             <a:ln>
               <a:noFill/>
             </a:ln>
@@ -4665,7 +5675,7 @@
           <a:buFontTx/>
           <a:buNone/>
           <a:tabLst/>
-          <a:defRPr b="0" baseline="0" cap="none" i="0" spc="0" strike="noStrike" sz="1800" u="none" kumimoji="0" normalizeH="0">
+          <a:defRPr kumimoji="0" sz="1800" b="0" i="0" u="none" strike="noStrike" cap="none" spc="0" normalizeH="0" baseline="0">
             <a:ln>
               <a:noFill/>
             </a:ln>
@@ -4691,7 +5701,7 @@
           <a:buFontTx/>
           <a:buNone/>
           <a:tabLst/>
-          <a:defRPr b="0" baseline="0" cap="none" i="0" spc="0" strike="noStrike" sz="1800" u="none" kumimoji="0" normalizeH="0">
+          <a:defRPr kumimoji="0" sz="1800" b="0" i="0" u="none" strike="noStrike" cap="none" spc="0" normalizeH="0" baseline="0">
             <a:ln>
               <a:noFill/>
             </a:ln>
@@ -4717,7 +5727,7 @@
           <a:buFontTx/>
           <a:buNone/>
           <a:tabLst/>
-          <a:defRPr b="0" baseline="0" cap="none" i="0" spc="0" strike="noStrike" sz="1800" u="none" kumimoji="0" normalizeH="0">
+          <a:defRPr kumimoji="0" sz="1800" b="0" i="0" u="none" strike="noStrike" cap="none" spc="0" normalizeH="0" baseline="0">
             <a:ln>
               <a:noFill/>
             </a:ln>
@@ -4743,7 +5753,7 @@
           <a:buFontTx/>
           <a:buNone/>
           <a:tabLst/>
-          <a:defRPr b="0" baseline="0" cap="none" i="0" spc="0" strike="noStrike" sz="1800" u="none" kumimoji="0" normalizeH="0">
+          <a:defRPr kumimoji="0" sz="1800" b="0" i="0" u="none" strike="noStrike" cap="none" spc="0" normalizeH="0" baseline="0">
             <a:ln>
               <a:noFill/>
             </a:ln>
@@ -4769,7 +5779,7 @@
           <a:buFontTx/>
           <a:buNone/>
           <a:tabLst/>
-          <a:defRPr b="0" baseline="0" cap="none" i="0" spc="0" strike="noStrike" sz="1800" u="none" kumimoji="0" normalizeH="0">
+          <a:defRPr kumimoji="0" sz="1800" b="0" i="0" u="none" strike="noStrike" cap="none" spc="0" normalizeH="0" baseline="0">
             <a:ln>
               <a:noFill/>
             </a:ln>
@@ -4782,18 +5792,25 @@
         </a:lvl9pPr>
       </a:lstStyle>
       <a:style>
-        <a:lnRef idx="0"/>
-        <a:fillRef idx="0"/>
-        <a:effectRef idx="0"/>
+        <a:lnRef idx="0">
+          <a:scrgbClr r="0" g="0" b="0"/>
+        </a:lnRef>
+        <a:fillRef idx="0">
+          <a:scrgbClr r="0" g="0" b="0"/>
+        </a:fillRef>
+        <a:effectRef idx="0">
+          <a:scrgbClr r="0" g="0" b="0"/>
+        </a:effectRef>
         <a:fontRef idx="none"/>
       </a:style>
     </a:txDef>
   </a:objectDefaults>
+  <a:extraClrSchemeLst/>
 </a:theme>
 </file>
 
 <file path=ppt/theme/theme2.xml><?xml version="1.0" encoding="utf-8"?>
-<a:theme xmlns:a="http://schemas.openxmlformats.org/drawingml/2006/main" xmlns:r="http://schemas.openxmlformats.org/officeDocument/2006/relationships" name="Gradient">
+<a:theme xmlns:a="http://schemas.openxmlformats.org/drawingml/2006/main" name="Gradient">
   <a:themeElements>
     <a:clrScheme name="Gradient">
       <a:dk1>
@@ -4919,7 +5936,7 @@
       <a:effectStyleLst>
         <a:effectStyle>
           <a:effectLst>
-            <a:outerShdw sx="100000" sy="100000" kx="0" ky="0" algn="b" rotWithShape="0" blurRad="76200" dist="0" dir="18900000">
+            <a:outerShdw blurRad="76200" dir="18900000" rotWithShape="0">
               <a:srgbClr val="000000">
                 <a:alpha val="80000"/>
               </a:srgbClr>
@@ -4928,7 +5945,7 @@
         </a:effectStyle>
         <a:effectStyle>
           <a:effectLst>
-            <a:outerShdw sx="100000" sy="100000" kx="0" ky="0" algn="b" rotWithShape="0" blurRad="76200" dist="0" dir="18900000">
+            <a:outerShdw blurRad="76200" dir="18900000" rotWithShape="0">
               <a:srgbClr val="000000">
                 <a:alpha val="80000"/>
               </a:srgbClr>
@@ -4937,7 +5954,7 @@
         </a:effectStyle>
         <a:effectStyle>
           <a:effectLst>
-            <a:outerShdw sx="100000" sy="100000" kx="0" ky="0" algn="b" rotWithShape="0" blurRad="76200" dist="0" dir="18900000">
+            <a:outerShdw blurRad="76200" dir="18900000" rotWithShape="0">
               <a:srgbClr val="000000">
                 <a:alpha val="80000"/>
               </a:srgbClr>
@@ -5020,7 +6037,7 @@
           <a:miter lim="400000"/>
         </a:ln>
         <a:effectLst>
-          <a:outerShdw sx="100000" sy="100000" kx="0" ky="0" algn="b" rotWithShape="0" blurRad="76200" dist="0" dir="18900000">
+          <a:outerShdw blurRad="76200" dir="18900000" rotWithShape="0">
             <a:srgbClr val="000000">
               <a:alpha val="80000"/>
             </a:srgbClr>
@@ -5028,7 +6045,7 @@
         </a:effectLst>
         <a:sp3d/>
       </a:spPr>
-      <a:bodyPr rot="0" spcFirstLastPara="1" vertOverflow="overflow" horzOverflow="overflow" vert="horz" wrap="square" lIns="50800" tIns="50800" rIns="50800" bIns="50800" numCol="1" spcCol="38100" rtlCol="0" anchor="ctr" upright="0">
+      <a:bodyPr rot="0" spcFirstLastPara="1" vertOverflow="overflow" horzOverflow="overflow" vert="horz" wrap="square" lIns="50800" tIns="50800" rIns="50800" bIns="50800" numCol="1" spcCol="38100" rtlCol="0" anchor="ctr">
         <a:spAutoFit/>
       </a:bodyPr>
       <a:lstStyle>
@@ -5047,7 +6064,7 @@
           <a:buFontTx/>
           <a:buNone/>
           <a:tabLst/>
-          <a:defRPr b="0" baseline="0" cap="none" i="0" spc="0" strike="noStrike" sz="2400" u="none" kumimoji="0" normalizeH="0">
+          <a:defRPr kumimoji="0" sz="2400" b="0" i="0" u="none" strike="noStrike" cap="none" spc="0" normalizeH="0" baseline="0">
             <a:ln>
               <a:noFill/>
             </a:ln>
@@ -5055,7 +6072,7 @@
               <a:srgbClr val="FFFFFF"/>
             </a:solidFill>
             <a:effectLst>
-              <a:outerShdw sx="100000" sy="100000" kx="0" ky="0" algn="b" rotWithShape="0" blurRad="25400" dist="23998" dir="2700000">
+              <a:outerShdw blurRad="25400" dist="23998" dir="2700000" rotWithShape="0">
                 <a:srgbClr val="000000">
                   <a:alpha val="31034"/>
                 </a:srgbClr>
@@ -5083,7 +6100,7 @@
           <a:buFontTx/>
           <a:buNone/>
           <a:tabLst/>
-          <a:defRPr b="0" baseline="0" cap="none" i="0" spc="0" strike="noStrike" sz="1800" u="none" kumimoji="0" normalizeH="0">
+          <a:defRPr kumimoji="0" sz="1800" b="0" i="0" u="none" strike="noStrike" cap="none" spc="0" normalizeH="0" baseline="0">
             <a:ln>
               <a:noFill/>
             </a:ln>
@@ -5109,7 +6126,7 @@
           <a:buFontTx/>
           <a:buNone/>
           <a:tabLst/>
-          <a:defRPr b="0" baseline="0" cap="none" i="0" spc="0" strike="noStrike" sz="1800" u="none" kumimoji="0" normalizeH="0">
+          <a:defRPr kumimoji="0" sz="1800" b="0" i="0" u="none" strike="noStrike" cap="none" spc="0" normalizeH="0" baseline="0">
             <a:ln>
               <a:noFill/>
             </a:ln>
@@ -5135,7 +6152,7 @@
           <a:buFontTx/>
           <a:buNone/>
           <a:tabLst/>
-          <a:defRPr b="0" baseline="0" cap="none" i="0" spc="0" strike="noStrike" sz="1800" u="none" kumimoji="0" normalizeH="0">
+          <a:defRPr kumimoji="0" sz="1800" b="0" i="0" u="none" strike="noStrike" cap="none" spc="0" normalizeH="0" baseline="0">
             <a:ln>
               <a:noFill/>
             </a:ln>
@@ -5161,7 +6178,7 @@
           <a:buFontTx/>
           <a:buNone/>
           <a:tabLst/>
-          <a:defRPr b="0" baseline="0" cap="none" i="0" spc="0" strike="noStrike" sz="1800" u="none" kumimoji="0" normalizeH="0">
+          <a:defRPr kumimoji="0" sz="1800" b="0" i="0" u="none" strike="noStrike" cap="none" spc="0" normalizeH="0" baseline="0">
             <a:ln>
               <a:noFill/>
             </a:ln>
@@ -5187,7 +6204,7 @@
           <a:buFontTx/>
           <a:buNone/>
           <a:tabLst/>
-          <a:defRPr b="0" baseline="0" cap="none" i="0" spc="0" strike="noStrike" sz="1800" u="none" kumimoji="0" normalizeH="0">
+          <a:defRPr kumimoji="0" sz="1800" b="0" i="0" u="none" strike="noStrike" cap="none" spc="0" normalizeH="0" baseline="0">
             <a:ln>
               <a:noFill/>
             </a:ln>
@@ -5213,7 +6230,7 @@
           <a:buFontTx/>
           <a:buNone/>
           <a:tabLst/>
-          <a:defRPr b="0" baseline="0" cap="none" i="0" spc="0" strike="noStrike" sz="1800" u="none" kumimoji="0" normalizeH="0">
+          <a:defRPr kumimoji="0" sz="1800" b="0" i="0" u="none" strike="noStrike" cap="none" spc="0" normalizeH="0" baseline="0">
             <a:ln>
               <a:noFill/>
             </a:ln>
@@ -5239,7 +6256,7 @@
           <a:buFontTx/>
           <a:buNone/>
           <a:tabLst/>
-          <a:defRPr b="0" baseline="0" cap="none" i="0" spc="0" strike="noStrike" sz="1800" u="none" kumimoji="0" normalizeH="0">
+          <a:defRPr kumimoji="0" sz="1800" b="0" i="0" u="none" strike="noStrike" cap="none" spc="0" normalizeH="0" baseline="0">
             <a:ln>
               <a:noFill/>
             </a:ln>
@@ -5265,7 +6282,7 @@
           <a:buFontTx/>
           <a:buNone/>
           <a:tabLst/>
-          <a:defRPr b="0" baseline="0" cap="none" i="0" spc="0" strike="noStrike" sz="1800" u="none" kumimoji="0" normalizeH="0">
+          <a:defRPr kumimoji="0" sz="1800" b="0" i="0" u="none" strike="noStrike" cap="none" spc="0" normalizeH="0" baseline="0">
             <a:ln>
               <a:noFill/>
             </a:ln>
@@ -5291,7 +6308,7 @@
           <a:buFontTx/>
           <a:buNone/>
           <a:tabLst/>
-          <a:defRPr b="0" baseline="0" cap="none" i="0" spc="0" strike="noStrike" sz="1800" u="none" kumimoji="0" normalizeH="0">
+          <a:defRPr kumimoji="0" sz="1800" b="0" i="0" u="none" strike="noStrike" cap="none" spc="0" normalizeH="0" baseline="0">
             <a:ln>
               <a:noFill/>
             </a:ln>
@@ -5304,9 +6321,15 @@
         </a:lvl9pPr>
       </a:lstStyle>
       <a:style>
-        <a:lnRef idx="0"/>
-        <a:fillRef idx="0"/>
-        <a:effectRef idx="0"/>
+        <a:lnRef idx="0">
+          <a:scrgbClr r="0" g="0" b="0"/>
+        </a:lnRef>
+        <a:fillRef idx="0">
+          <a:scrgbClr r="0" g="0" b="0"/>
+        </a:fillRef>
+        <a:effectRef idx="0">
+          <a:scrgbClr r="0" g="0" b="0"/>
+        </a:effectRef>
         <a:fontRef idx="none"/>
       </a:style>
     </a:spDef>
@@ -5323,7 +6346,7 @@
         <a:effectLst/>
         <a:sp3d/>
       </a:spPr>
-      <a:bodyPr rot="0" spcFirstLastPara="1" vertOverflow="overflow" horzOverflow="overflow" vert="horz" wrap="square" lIns="91439" tIns="45719" rIns="91439" bIns="45719" numCol="1" spcCol="38100" rtlCol="0" anchor="t" upright="0">
+      <a:bodyPr rot="0" spcFirstLastPara="1" vertOverflow="overflow" horzOverflow="overflow" vert="horz" wrap="square" lIns="91439" tIns="45719" rIns="91439" bIns="45719" numCol="1" spcCol="38100" rtlCol="0" anchor="t">
         <a:noAutofit/>
       </a:bodyPr>
       <a:lstStyle>
@@ -5342,7 +6365,7 @@
           <a:buFontTx/>
           <a:buNone/>
           <a:tabLst/>
-          <a:defRPr b="0" baseline="0" cap="none" i="0" spc="0" strike="noStrike" sz="1800" u="none" kumimoji="0" normalizeH="0">
+          <a:defRPr kumimoji="0" sz="1800" b="0" i="0" u="none" strike="noStrike" cap="none" spc="0" normalizeH="0" baseline="0">
             <a:ln>
               <a:noFill/>
             </a:ln>
@@ -5368,7 +6391,7 @@
           <a:buFontTx/>
           <a:buNone/>
           <a:tabLst/>
-          <a:defRPr b="0" baseline="0" cap="none" i="0" spc="0" strike="noStrike" sz="1800" u="none" kumimoji="0" normalizeH="0">
+          <a:defRPr kumimoji="0" sz="1800" b="0" i="0" u="none" strike="noStrike" cap="none" spc="0" normalizeH="0" baseline="0">
             <a:ln>
               <a:noFill/>
             </a:ln>
@@ -5394,7 +6417,7 @@
           <a:buFontTx/>
           <a:buNone/>
           <a:tabLst/>
-          <a:defRPr b="0" baseline="0" cap="none" i="0" spc="0" strike="noStrike" sz="1800" u="none" kumimoji="0" normalizeH="0">
+          <a:defRPr kumimoji="0" sz="1800" b="0" i="0" u="none" strike="noStrike" cap="none" spc="0" normalizeH="0" baseline="0">
             <a:ln>
               <a:noFill/>
             </a:ln>
@@ -5420,7 +6443,7 @@
           <a:buFontTx/>
           <a:buNone/>
           <a:tabLst/>
-          <a:defRPr b="0" baseline="0" cap="none" i="0" spc="0" strike="noStrike" sz="1800" u="none" kumimoji="0" normalizeH="0">
+          <a:defRPr kumimoji="0" sz="1800" b="0" i="0" u="none" strike="noStrike" cap="none" spc="0" normalizeH="0" baseline="0">
             <a:ln>
               <a:noFill/>
             </a:ln>
@@ -5446,7 +6469,7 @@
           <a:buFontTx/>
           <a:buNone/>
           <a:tabLst/>
-          <a:defRPr b="0" baseline="0" cap="none" i="0" spc="0" strike="noStrike" sz="1800" u="none" kumimoji="0" normalizeH="0">
+          <a:defRPr kumimoji="0" sz="1800" b="0" i="0" u="none" strike="noStrike" cap="none" spc="0" normalizeH="0" baseline="0">
             <a:ln>
               <a:noFill/>
             </a:ln>
@@ -5472,7 +6495,7 @@
           <a:buFontTx/>
           <a:buNone/>
           <a:tabLst/>
-          <a:defRPr b="0" baseline="0" cap="none" i="0" spc="0" strike="noStrike" sz="1800" u="none" kumimoji="0" normalizeH="0">
+          <a:defRPr kumimoji="0" sz="1800" b="0" i="0" u="none" strike="noStrike" cap="none" spc="0" normalizeH="0" baseline="0">
             <a:ln>
               <a:noFill/>
             </a:ln>
@@ -5498,7 +6521,7 @@
           <a:buFontTx/>
           <a:buNone/>
           <a:tabLst/>
-          <a:defRPr b="0" baseline="0" cap="none" i="0" spc="0" strike="noStrike" sz="1800" u="none" kumimoji="0" normalizeH="0">
+          <a:defRPr kumimoji="0" sz="1800" b="0" i="0" u="none" strike="noStrike" cap="none" spc="0" normalizeH="0" baseline="0">
             <a:ln>
               <a:noFill/>
             </a:ln>
@@ -5524,7 +6547,7 @@
           <a:buFontTx/>
           <a:buNone/>
           <a:tabLst/>
-          <a:defRPr b="0" baseline="0" cap="none" i="0" spc="0" strike="noStrike" sz="1800" u="none" kumimoji="0" normalizeH="0">
+          <a:defRPr kumimoji="0" sz="1800" b="0" i="0" u="none" strike="noStrike" cap="none" spc="0" normalizeH="0" baseline="0">
             <a:ln>
               <a:noFill/>
             </a:ln>
@@ -5550,7 +6573,7 @@
           <a:buFontTx/>
           <a:buNone/>
           <a:tabLst/>
-          <a:defRPr b="0" baseline="0" cap="none" i="0" spc="0" strike="noStrike" sz="1800" u="none" kumimoji="0" normalizeH="0">
+          <a:defRPr kumimoji="0" sz="1800" b="0" i="0" u="none" strike="noStrike" cap="none" spc="0" normalizeH="0" baseline="0">
             <a:ln>
               <a:noFill/>
             </a:ln>
@@ -5576,7 +6599,7 @@
           <a:buFontTx/>
           <a:buNone/>
           <a:tabLst/>
-          <a:defRPr b="0" baseline="0" cap="none" i="0" spc="0" strike="noStrike" sz="1800" u="none" kumimoji="0" normalizeH="0">
+          <a:defRPr kumimoji="0" sz="1800" b="0" i="0" u="none" strike="noStrike" cap="none" spc="0" normalizeH="0" baseline="0">
             <a:ln>
               <a:noFill/>
             </a:ln>
@@ -5589,9 +6612,15 @@
         </a:lvl9pPr>
       </a:lstStyle>
       <a:style>
-        <a:lnRef idx="0"/>
-        <a:fillRef idx="0"/>
-        <a:effectRef idx="0"/>
+        <a:lnRef idx="0">
+          <a:scrgbClr r="0" g="0" b="0"/>
+        </a:lnRef>
+        <a:fillRef idx="0">
+          <a:scrgbClr r="0" g="0" b="0"/>
+        </a:fillRef>
+        <a:effectRef idx="0">
+          <a:scrgbClr r="0" g="0" b="0"/>
+        </a:effectRef>
         <a:fontRef idx="none"/>
       </a:style>
     </a:lnDef>
@@ -5605,7 +6634,7 @@
         <a:effectLst/>
         <a:sp3d/>
       </a:spPr>
-      <a:bodyPr rot="0" spcFirstLastPara="1" vertOverflow="overflow" horzOverflow="overflow" vert="horz" wrap="square" lIns="50800" tIns="50800" rIns="50800" bIns="50800" numCol="1" spcCol="38100" rtlCol="0" anchor="ctr" upright="0">
+      <a:bodyPr rot="0" spcFirstLastPara="1" vertOverflow="overflow" horzOverflow="overflow" vert="horz" wrap="square" lIns="50800" tIns="50800" rIns="50800" bIns="50800" numCol="1" spcCol="38100" rtlCol="0" anchor="ctr">
         <a:spAutoFit/>
       </a:bodyPr>
       <a:lstStyle>
@@ -5624,7 +6653,7 @@
           <a:buFontTx/>
           <a:buNone/>
           <a:tabLst/>
-          <a:defRPr b="0" baseline="0" cap="none" i="0" spc="0" strike="noStrike" sz="3800" u="none" kumimoji="0" normalizeH="0">
+          <a:defRPr kumimoji="0" sz="3800" b="0" i="0" u="none" strike="noStrike" cap="none" spc="0" normalizeH="0" baseline="0">
             <a:ln>
               <a:noFill/>
             </a:ln>
@@ -5654,7 +6683,7 @@
           <a:buFontTx/>
           <a:buNone/>
           <a:tabLst/>
-          <a:defRPr b="0" baseline="0" cap="none" i="0" spc="0" strike="noStrike" sz="1800" u="none" kumimoji="0" normalizeH="0">
+          <a:defRPr kumimoji="0" sz="1800" b="0" i="0" u="none" strike="noStrike" cap="none" spc="0" normalizeH="0" baseline="0">
             <a:ln>
               <a:noFill/>
             </a:ln>
@@ -5680,7 +6709,7 @@
           <a:buFontTx/>
           <a:buNone/>
           <a:tabLst/>
-          <a:defRPr b="0" baseline="0" cap="none" i="0" spc="0" strike="noStrike" sz="1800" u="none" kumimoji="0" normalizeH="0">
+          <a:defRPr kumimoji="0" sz="1800" b="0" i="0" u="none" strike="noStrike" cap="none" spc="0" normalizeH="0" baseline="0">
             <a:ln>
               <a:noFill/>
             </a:ln>
@@ -5706,7 +6735,7 @@
           <a:buFontTx/>
           <a:buNone/>
           <a:tabLst/>
-          <a:defRPr b="0" baseline="0" cap="none" i="0" spc="0" strike="noStrike" sz="1800" u="none" kumimoji="0" normalizeH="0">
+          <a:defRPr kumimoji="0" sz="1800" b="0" i="0" u="none" strike="noStrike" cap="none" spc="0" normalizeH="0" baseline="0">
             <a:ln>
               <a:noFill/>
             </a:ln>
@@ -5732,7 +6761,7 @@
           <a:buFontTx/>
           <a:buNone/>
           <a:tabLst/>
-          <a:defRPr b="0" baseline="0" cap="none" i="0" spc="0" strike="noStrike" sz="1800" u="none" kumimoji="0" normalizeH="0">
+          <a:defRPr kumimoji="0" sz="1800" b="0" i="0" u="none" strike="noStrike" cap="none" spc="0" normalizeH="0" baseline="0">
             <a:ln>
               <a:noFill/>
             </a:ln>
@@ -5758,7 +6787,7 @@
           <a:buFontTx/>
           <a:buNone/>
           <a:tabLst/>
-          <a:defRPr b="0" baseline="0" cap="none" i="0" spc="0" strike="noStrike" sz="1800" u="none" kumimoji="0" normalizeH="0">
+          <a:defRPr kumimoji="0" sz="1800" b="0" i="0" u="none" strike="noStrike" cap="none" spc="0" normalizeH="0" baseline="0">
             <a:ln>
               <a:noFill/>
             </a:ln>
@@ -5784,7 +6813,7 @@
           <a:buFontTx/>
           <a:buNone/>
           <a:tabLst/>
-          <a:defRPr b="0" baseline="0" cap="none" i="0" spc="0" strike="noStrike" sz="1800" u="none" kumimoji="0" normalizeH="0">
+          <a:defRPr kumimoji="0" sz="1800" b="0" i="0" u="none" strike="noStrike" cap="none" spc="0" normalizeH="0" baseline="0">
             <a:ln>
               <a:noFill/>
             </a:ln>
@@ -5810,7 +6839,7 @@
           <a:buFontTx/>
           <a:buNone/>
           <a:tabLst/>
-          <a:defRPr b="0" baseline="0" cap="none" i="0" spc="0" strike="noStrike" sz="1800" u="none" kumimoji="0" normalizeH="0">
+          <a:defRPr kumimoji="0" sz="1800" b="0" i="0" u="none" strike="noStrike" cap="none" spc="0" normalizeH="0" baseline="0">
             <a:ln>
               <a:noFill/>
             </a:ln>
@@ -5836,7 +6865,7 @@
           <a:buFontTx/>
           <a:buNone/>
           <a:tabLst/>
-          <a:defRPr b="0" baseline="0" cap="none" i="0" spc="0" strike="noStrike" sz="1800" u="none" kumimoji="0" normalizeH="0">
+          <a:defRPr kumimoji="0" sz="1800" b="0" i="0" u="none" strike="noStrike" cap="none" spc="0" normalizeH="0" baseline="0">
             <a:ln>
               <a:noFill/>
             </a:ln>
@@ -5862,7 +6891,7 @@
           <a:buFontTx/>
           <a:buNone/>
           <a:tabLst/>
-          <a:defRPr b="0" baseline="0" cap="none" i="0" spc="0" strike="noStrike" sz="1800" u="none" kumimoji="0" normalizeH="0">
+          <a:defRPr kumimoji="0" sz="1800" b="0" i="0" u="none" strike="noStrike" cap="none" spc="0" normalizeH="0" baseline="0">
             <a:ln>
               <a:noFill/>
             </a:ln>
@@ -5875,12 +6904,19 @@
         </a:lvl9pPr>
       </a:lstStyle>
       <a:style>
-        <a:lnRef idx="0"/>
-        <a:fillRef idx="0"/>
-        <a:effectRef idx="0"/>
+        <a:lnRef idx="0">
+          <a:scrgbClr r="0" g="0" b="0"/>
+        </a:lnRef>
+        <a:fillRef idx="0">
+          <a:scrgbClr r="0" g="0" b="0"/>
+        </a:fillRef>
+        <a:effectRef idx="0">
+          <a:scrgbClr r="0" g="0" b="0"/>
+        </a:effectRef>
         <a:fontRef idx="none"/>
       </a:style>
     </a:txDef>
   </a:objectDefaults>
+  <a:extraClrSchemeLst/>
 </a:theme>
 </file>
--- a/source/_drafts/jvm.pptx
+++ b/source/_drafts/jvm.pptx
@@ -3107,7 +3107,7 @@
           </a:ln>
           <a:extLst>
             <a:ext uri="{C572A759-6A51-4108-AA02-DFA0A04FC94B}">
-              <ma14:wrappingTextBoxFlag xmlns="" xmlns:ma14="http://schemas.microsoft.com/office/mac/drawingml/2011/main" val="1"/>
+              <ma14:wrappingTextBoxFlag xmlns:ma14="http://schemas.microsoft.com/office/mac/drawingml/2011/main" xmlns="" val="1"/>
             </a:ext>
           </a:extLst>
         </p:spPr>
@@ -3146,7 +3146,7 @@
           </a:ln>
           <a:extLst>
             <a:ext uri="{C572A759-6A51-4108-AA02-DFA0A04FC94B}">
-              <ma14:wrappingTextBoxFlag xmlns="" xmlns:ma14="http://schemas.microsoft.com/office/mac/drawingml/2011/main" val="1"/>
+              <ma14:wrappingTextBoxFlag xmlns:ma14="http://schemas.microsoft.com/office/mac/drawingml/2011/main" xmlns="" val="1"/>
             </a:ext>
           </a:extLst>
         </p:spPr>
@@ -23703,7 +23703,7 @@
           </a:ln>
           <a:extLst>
             <a:ext uri="{C572A759-6A51-4108-AA02-DFA0A04FC94B}">
-              <ma14:wrappingTextBoxFlag xmlns="" xmlns:ma14="http://schemas.microsoft.com/office/mac/drawingml/2011/main" val="1"/>
+              <ma14:wrappingTextBoxFlag xmlns:ma14="http://schemas.microsoft.com/office/mac/drawingml/2011/main" xmlns="" val="1"/>
             </a:ext>
           </a:extLst>
         </p:spPr>
@@ -23739,7 +23739,7 @@
           </a:ln>
           <a:extLst>
             <a:ext uri="{C572A759-6A51-4108-AA02-DFA0A04FC94B}">
-              <ma14:wrappingTextBoxFlag xmlns="" xmlns:ma14="http://schemas.microsoft.com/office/mac/drawingml/2011/main" val="1"/>
+              <ma14:wrappingTextBoxFlag xmlns:ma14="http://schemas.microsoft.com/office/mac/drawingml/2011/main" xmlns="" val="1"/>
             </a:ext>
           </a:extLst>
         </p:spPr>
@@ -25247,7 +25247,7 @@
           </a:ln>
           <a:extLst>
             <a:ext uri="{C572A759-6A51-4108-AA02-DFA0A04FC94B}">
-              <ma14:wrappingTextBoxFlag xmlns="" xmlns:ma14="http://schemas.microsoft.com/office/mac/drawingml/2011/main" val="1"/>
+              <ma14:wrappingTextBoxFlag xmlns:ma14="http://schemas.microsoft.com/office/mac/drawingml/2011/main" xmlns="" val="1"/>
             </a:ext>
           </a:extLst>
         </p:spPr>
